--- a/Write up/101. Transfer Report/Transfer Presentation.pptx
+++ b/Write up/101. Transfer Report/Transfer Presentation.pptx
@@ -111,6 +111,11 @@
       </a:defRPr>
     </a:lvl9pPr>
   </p:defaultTextStyle>
+  <p:extLst>
+    <p:ext uri="{EFAFB233-063F-42B5-8137-9DF3F51BA10A}">
+      <p15:sldGuideLst xmlns:p15="http://schemas.microsoft.com/office/powerpoint/2012/main"/>
+    </p:ext>
+  </p:extLst>
 </p:presentation>
 </file>
 
@@ -300,7 +305,7 @@
           <a:p>
             <a:fld id="{F4FA6BC7-0BC6-418A-8559-C365810DAE0C}" type="datetimeFigureOut">
               <a:rPr lang="en-GB" smtClean="0"/>
-              <a:t>13/05/2019</a:t>
+              <a:t>22/05/2019</a:t>
             </a:fld>
             <a:endParaRPr lang="en-GB"/>
           </a:p>
@@ -575,7 +580,7 @@
           <a:p>
             <a:fld id="{F4FA6BC7-0BC6-418A-8559-C365810DAE0C}" type="datetimeFigureOut">
               <a:rPr lang="en-GB" smtClean="0"/>
-              <a:t>13/05/2019</a:t>
+              <a:t>22/05/2019</a:t>
             </a:fld>
             <a:endParaRPr lang="en-GB"/>
           </a:p>
@@ -769,7 +774,7 @@
           <a:p>
             <a:fld id="{F4FA6BC7-0BC6-418A-8559-C365810DAE0C}" type="datetimeFigureOut">
               <a:rPr lang="en-GB" smtClean="0"/>
-              <a:t>13/05/2019</a:t>
+              <a:t>22/05/2019</a:t>
             </a:fld>
             <a:endParaRPr lang="en-GB"/>
           </a:p>
@@ -1042,7 +1047,7 @@
           <a:p>
             <a:fld id="{F4FA6BC7-0BC6-418A-8559-C365810DAE0C}" type="datetimeFigureOut">
               <a:rPr lang="en-GB" smtClean="0"/>
-              <a:t>13/05/2019</a:t>
+              <a:t>22/05/2019</a:t>
             </a:fld>
             <a:endParaRPr lang="en-GB"/>
           </a:p>
@@ -1383,7 +1388,7 @@
           <a:p>
             <a:fld id="{F4FA6BC7-0BC6-418A-8559-C365810DAE0C}" type="datetimeFigureOut">
               <a:rPr lang="en-GB" smtClean="0"/>
-              <a:t>13/05/2019</a:t>
+              <a:t>22/05/2019</a:t>
             </a:fld>
             <a:endParaRPr lang="en-GB"/>
           </a:p>
@@ -2006,7 +2011,7 @@
           <a:p>
             <a:fld id="{F4FA6BC7-0BC6-418A-8559-C365810DAE0C}" type="datetimeFigureOut">
               <a:rPr lang="en-GB" smtClean="0"/>
-              <a:t>13/05/2019</a:t>
+              <a:t>22/05/2019</a:t>
             </a:fld>
             <a:endParaRPr lang="en-GB"/>
           </a:p>
@@ -2866,7 +2871,7 @@
           <a:p>
             <a:fld id="{F4FA6BC7-0BC6-418A-8559-C365810DAE0C}" type="datetimeFigureOut">
               <a:rPr lang="en-GB" smtClean="0"/>
-              <a:t>13/05/2019</a:t>
+              <a:t>22/05/2019</a:t>
             </a:fld>
             <a:endParaRPr lang="en-GB"/>
           </a:p>
@@ -3036,7 +3041,7 @@
           <a:p>
             <a:fld id="{F4FA6BC7-0BC6-418A-8559-C365810DAE0C}" type="datetimeFigureOut">
               <a:rPr lang="en-GB" smtClean="0"/>
-              <a:t>13/05/2019</a:t>
+              <a:t>22/05/2019</a:t>
             </a:fld>
             <a:endParaRPr lang="en-GB"/>
           </a:p>
@@ -3216,7 +3221,7 @@
           <a:p>
             <a:fld id="{F4FA6BC7-0BC6-418A-8559-C365810DAE0C}" type="datetimeFigureOut">
               <a:rPr lang="en-GB" smtClean="0"/>
-              <a:t>13/05/2019</a:t>
+              <a:t>22/05/2019</a:t>
             </a:fld>
             <a:endParaRPr lang="en-GB"/>
           </a:p>
@@ -3386,7 +3391,7 @@
           <a:p>
             <a:fld id="{F4FA6BC7-0BC6-418A-8559-C365810DAE0C}" type="datetimeFigureOut">
               <a:rPr lang="en-GB" smtClean="0"/>
-              <a:t>13/05/2019</a:t>
+              <a:t>22/05/2019</a:t>
             </a:fld>
             <a:endParaRPr lang="en-GB"/>
           </a:p>
@@ -3633,7 +3638,7 @@
           <a:p>
             <a:fld id="{F4FA6BC7-0BC6-418A-8559-C365810DAE0C}" type="datetimeFigureOut">
               <a:rPr lang="en-GB" smtClean="0"/>
-              <a:t>13/05/2019</a:t>
+              <a:t>22/05/2019</a:t>
             </a:fld>
             <a:endParaRPr lang="en-GB"/>
           </a:p>
@@ -3925,7 +3930,7 @@
           <a:p>
             <a:fld id="{F4FA6BC7-0BC6-418A-8559-C365810DAE0C}" type="datetimeFigureOut">
               <a:rPr lang="en-GB" smtClean="0"/>
-              <a:t>13/05/2019</a:t>
+              <a:t>22/05/2019</a:t>
             </a:fld>
             <a:endParaRPr lang="en-GB"/>
           </a:p>
@@ -4369,7 +4374,7 @@
           <a:p>
             <a:fld id="{F4FA6BC7-0BC6-418A-8559-C365810DAE0C}" type="datetimeFigureOut">
               <a:rPr lang="en-GB" smtClean="0"/>
-              <a:t>13/05/2019</a:t>
+              <a:t>22/05/2019</a:t>
             </a:fld>
             <a:endParaRPr lang="en-GB"/>
           </a:p>
@@ -4487,7 +4492,7 @@
           <a:p>
             <a:fld id="{F4FA6BC7-0BC6-418A-8559-C365810DAE0C}" type="datetimeFigureOut">
               <a:rPr lang="en-GB" smtClean="0"/>
-              <a:t>13/05/2019</a:t>
+              <a:t>22/05/2019</a:t>
             </a:fld>
             <a:endParaRPr lang="en-GB"/>
           </a:p>
@@ -4582,7 +4587,7 @@
           <a:p>
             <a:fld id="{F4FA6BC7-0BC6-418A-8559-C365810DAE0C}" type="datetimeFigureOut">
               <a:rPr lang="en-GB" smtClean="0"/>
-              <a:t>13/05/2019</a:t>
+              <a:t>22/05/2019</a:t>
             </a:fld>
             <a:endParaRPr lang="en-GB"/>
           </a:p>
@@ -4861,7 +4866,7 @@
           <a:p>
             <a:fld id="{F4FA6BC7-0BC6-418A-8559-C365810DAE0C}" type="datetimeFigureOut">
               <a:rPr lang="en-GB" smtClean="0"/>
-              <a:t>13/05/2019</a:t>
+              <a:t>22/05/2019</a:t>
             </a:fld>
             <a:endParaRPr lang="en-GB"/>
           </a:p>
@@ -5136,7 +5141,7 @@
           <a:p>
             <a:fld id="{F4FA6BC7-0BC6-418A-8559-C365810DAE0C}" type="datetimeFigureOut">
               <a:rPr lang="en-GB" smtClean="0"/>
-              <a:t>13/05/2019</a:t>
+              <a:t>22/05/2019</a:t>
             </a:fld>
             <a:endParaRPr lang="en-GB"/>
           </a:p>
@@ -5565,7 +5570,7 @@
           <a:p>
             <a:fld id="{F4FA6BC7-0BC6-418A-8559-C365810DAE0C}" type="datetimeFigureOut">
               <a:rPr lang="en-GB" smtClean="0"/>
-              <a:t>13/05/2019</a:t>
+              <a:t>22/05/2019</a:t>
             </a:fld>
             <a:endParaRPr lang="en-GB"/>
           </a:p>
@@ -6311,7 +6316,10 @@
           <a:bodyPr/>
           <a:lstStyle/>
           <a:p>
-            <a:endParaRPr lang="en-GB"/>
+            <a:r>
+              <a:rPr lang="en-GB" dirty="0"/>
+              <a:t>Class 1 and class 2 devices</a:t>
+            </a:r>
           </a:p>
         </p:txBody>
       </p:sp>

--- a/Write up/101. Transfer Report/Transfer Presentation.pptx
+++ b/Write up/101. Transfer Report/Transfer Presentation.pptx
@@ -4,15 +4,20 @@
   <p:sldMasterIdLst>
     <p:sldMasterId id="2147483660" r:id="rId1"/>
   </p:sldMasterIdLst>
+  <p:notesMasterIdLst>
+    <p:notesMasterId r:id="rId12"/>
+  </p:notesMasterIdLst>
   <p:sldIdLst>
     <p:sldId id="256" r:id="rId2"/>
     <p:sldId id="257" r:id="rId3"/>
-    <p:sldId id="258" r:id="rId4"/>
-    <p:sldId id="261" r:id="rId5"/>
-    <p:sldId id="259" r:id="rId6"/>
-    <p:sldId id="260" r:id="rId7"/>
-    <p:sldId id="262" r:id="rId8"/>
-    <p:sldId id="263" r:id="rId9"/>
+    <p:sldId id="264" r:id="rId4"/>
+    <p:sldId id="265" r:id="rId5"/>
+    <p:sldId id="258" r:id="rId6"/>
+    <p:sldId id="261" r:id="rId7"/>
+    <p:sldId id="259" r:id="rId8"/>
+    <p:sldId id="260" r:id="rId9"/>
+    <p:sldId id="262" r:id="rId10"/>
+    <p:sldId id="263" r:id="rId11"/>
   </p:sldIdLst>
   <p:sldSz cx="12192000" cy="6858000"/>
   <p:notesSz cx="6858000" cy="9144000"/>
@@ -119,6 +124,949 @@
 </p:presentation>
 </file>
 
+<file path=ppt/notesMasters/notesMaster1.xml><?xml version="1.0" encoding="utf-8"?>
+<p:notesMaster xmlns:a="http://schemas.openxmlformats.org/drawingml/2006/main" xmlns:r="http://schemas.openxmlformats.org/officeDocument/2006/relationships" xmlns:p="http://schemas.openxmlformats.org/presentationml/2006/main">
+  <p:cSld>
+    <p:bg>
+      <p:bgRef idx="1001">
+        <a:schemeClr val="bg1"/>
+      </p:bgRef>
+    </p:bg>
+    <p:spTree>
+      <p:nvGrpSpPr>
+        <p:cNvPr id="1" name=""/>
+        <p:cNvGrpSpPr/>
+        <p:nvPr/>
+      </p:nvGrpSpPr>
+      <p:grpSpPr>
+        <a:xfrm>
+          <a:off x="0" y="0"/>
+          <a:ext cx="0" cy="0"/>
+          <a:chOff x="0" y="0"/>
+          <a:chExt cx="0" cy="0"/>
+        </a:xfrm>
+      </p:grpSpPr>
+      <p:sp>
+        <p:nvSpPr>
+          <p:cNvPr id="2" name="Header Placeholder 1"/>
+          <p:cNvSpPr>
+            <a:spLocks noGrp="1"/>
+          </p:cNvSpPr>
+          <p:nvPr>
+            <p:ph type="hdr" sz="quarter"/>
+          </p:nvPr>
+        </p:nvSpPr>
+        <p:spPr>
+          <a:xfrm>
+            <a:off x="0" y="0"/>
+            <a:ext cx="2971800" cy="458788"/>
+          </a:xfrm>
+          <a:prstGeom prst="rect">
+            <a:avLst/>
+          </a:prstGeom>
+        </p:spPr>
+        <p:txBody>
+          <a:bodyPr vert="horz" lIns="91440" tIns="45720" rIns="91440" bIns="45720" rtlCol="0"/>
+          <a:lstStyle>
+            <a:lvl1pPr algn="l">
+              <a:defRPr sz="1200"/>
+            </a:lvl1pPr>
+          </a:lstStyle>
+          <a:p>
+            <a:endParaRPr lang="en-GB"/>
+          </a:p>
+        </p:txBody>
+      </p:sp>
+      <p:sp>
+        <p:nvSpPr>
+          <p:cNvPr id="3" name="Date Placeholder 2"/>
+          <p:cNvSpPr>
+            <a:spLocks noGrp="1"/>
+          </p:cNvSpPr>
+          <p:nvPr>
+            <p:ph type="dt" idx="1"/>
+          </p:nvPr>
+        </p:nvSpPr>
+        <p:spPr>
+          <a:xfrm>
+            <a:off x="3884613" y="0"/>
+            <a:ext cx="2971800" cy="458788"/>
+          </a:xfrm>
+          <a:prstGeom prst="rect">
+            <a:avLst/>
+          </a:prstGeom>
+        </p:spPr>
+        <p:txBody>
+          <a:bodyPr vert="horz" lIns="91440" tIns="45720" rIns="91440" bIns="45720" rtlCol="0"/>
+          <a:lstStyle>
+            <a:lvl1pPr algn="r">
+              <a:defRPr sz="1200"/>
+            </a:lvl1pPr>
+          </a:lstStyle>
+          <a:p>
+            <a:fld id="{364A3DF2-7291-4951-BCDF-1BFFADBAD463}" type="datetimeFigureOut">
+              <a:rPr lang="en-GB" smtClean="0"/>
+              <a:t>06/06/2019</a:t>
+            </a:fld>
+            <a:endParaRPr lang="en-GB"/>
+          </a:p>
+        </p:txBody>
+      </p:sp>
+      <p:sp>
+        <p:nvSpPr>
+          <p:cNvPr id="4" name="Slide Image Placeholder 3"/>
+          <p:cNvSpPr>
+            <a:spLocks noGrp="1" noRot="1" noChangeAspect="1"/>
+          </p:cNvSpPr>
+          <p:nvPr>
+            <p:ph type="sldImg" idx="2"/>
+          </p:nvPr>
+        </p:nvSpPr>
+        <p:spPr>
+          <a:xfrm>
+            <a:off x="685800" y="1143000"/>
+            <a:ext cx="5486400" cy="3086100"/>
+          </a:xfrm>
+          <a:prstGeom prst="rect">
+            <a:avLst/>
+          </a:prstGeom>
+          <a:noFill/>
+          <a:ln w="12700">
+            <a:solidFill>
+              <a:prstClr val="black"/>
+            </a:solidFill>
+          </a:ln>
+        </p:spPr>
+        <p:txBody>
+          <a:bodyPr vert="horz" lIns="91440" tIns="45720" rIns="91440" bIns="45720" rtlCol="0" anchor="ctr"/>
+          <a:lstStyle/>
+          <a:p>
+            <a:endParaRPr lang="en-GB"/>
+          </a:p>
+        </p:txBody>
+      </p:sp>
+      <p:sp>
+        <p:nvSpPr>
+          <p:cNvPr id="5" name="Notes Placeholder 4"/>
+          <p:cNvSpPr>
+            <a:spLocks noGrp="1"/>
+          </p:cNvSpPr>
+          <p:nvPr>
+            <p:ph type="body" sz="quarter" idx="3"/>
+          </p:nvPr>
+        </p:nvSpPr>
+        <p:spPr>
+          <a:xfrm>
+            <a:off x="685800" y="4400550"/>
+            <a:ext cx="5486400" cy="3600450"/>
+          </a:xfrm>
+          <a:prstGeom prst="rect">
+            <a:avLst/>
+          </a:prstGeom>
+        </p:spPr>
+        <p:txBody>
+          <a:bodyPr vert="horz" lIns="91440" tIns="45720" rIns="91440" bIns="45720" rtlCol="0"/>
+          <a:lstStyle/>
+          <a:p>
+            <a:pPr lvl="0"/>
+            <a:r>
+              <a:rPr lang="en-US"/>
+              <a:t>Click to edit Master text styles</a:t>
+            </a:r>
+          </a:p>
+          <a:p>
+            <a:pPr lvl="1"/>
+            <a:r>
+              <a:rPr lang="en-US"/>
+              <a:t>Second level</a:t>
+            </a:r>
+          </a:p>
+          <a:p>
+            <a:pPr lvl="2"/>
+            <a:r>
+              <a:rPr lang="en-US"/>
+              <a:t>Third level</a:t>
+            </a:r>
+          </a:p>
+          <a:p>
+            <a:pPr lvl="3"/>
+            <a:r>
+              <a:rPr lang="en-US"/>
+              <a:t>Fourth level</a:t>
+            </a:r>
+          </a:p>
+          <a:p>
+            <a:pPr lvl="4"/>
+            <a:r>
+              <a:rPr lang="en-US"/>
+              <a:t>Fifth level</a:t>
+            </a:r>
+            <a:endParaRPr lang="en-GB"/>
+          </a:p>
+        </p:txBody>
+      </p:sp>
+      <p:sp>
+        <p:nvSpPr>
+          <p:cNvPr id="6" name="Footer Placeholder 5"/>
+          <p:cNvSpPr>
+            <a:spLocks noGrp="1"/>
+          </p:cNvSpPr>
+          <p:nvPr>
+            <p:ph type="ftr" sz="quarter" idx="4"/>
+          </p:nvPr>
+        </p:nvSpPr>
+        <p:spPr>
+          <a:xfrm>
+            <a:off x="0" y="8685213"/>
+            <a:ext cx="2971800" cy="458787"/>
+          </a:xfrm>
+          <a:prstGeom prst="rect">
+            <a:avLst/>
+          </a:prstGeom>
+        </p:spPr>
+        <p:txBody>
+          <a:bodyPr vert="horz" lIns="91440" tIns="45720" rIns="91440" bIns="45720" rtlCol="0" anchor="b"/>
+          <a:lstStyle>
+            <a:lvl1pPr algn="l">
+              <a:defRPr sz="1200"/>
+            </a:lvl1pPr>
+          </a:lstStyle>
+          <a:p>
+            <a:endParaRPr lang="en-GB"/>
+          </a:p>
+        </p:txBody>
+      </p:sp>
+      <p:sp>
+        <p:nvSpPr>
+          <p:cNvPr id="7" name="Slide Number Placeholder 6"/>
+          <p:cNvSpPr>
+            <a:spLocks noGrp="1"/>
+          </p:cNvSpPr>
+          <p:nvPr>
+            <p:ph type="sldNum" sz="quarter" idx="5"/>
+          </p:nvPr>
+        </p:nvSpPr>
+        <p:spPr>
+          <a:xfrm>
+            <a:off x="3884613" y="8685213"/>
+            <a:ext cx="2971800" cy="458787"/>
+          </a:xfrm>
+          <a:prstGeom prst="rect">
+            <a:avLst/>
+          </a:prstGeom>
+        </p:spPr>
+        <p:txBody>
+          <a:bodyPr vert="horz" lIns="91440" tIns="45720" rIns="91440" bIns="45720" rtlCol="0" anchor="b"/>
+          <a:lstStyle>
+            <a:lvl1pPr algn="r">
+              <a:defRPr sz="1200"/>
+            </a:lvl1pPr>
+          </a:lstStyle>
+          <a:p>
+            <a:fld id="{D5AD2CB1-5A3B-4C62-917A-AF21F79D93C2}" type="slidenum">
+              <a:rPr lang="en-GB" smtClean="0"/>
+              <a:t>‹#›</a:t>
+            </a:fld>
+            <a:endParaRPr lang="en-GB"/>
+          </a:p>
+        </p:txBody>
+      </p:sp>
+    </p:spTree>
+    <p:extLst>
+      <p:ext uri="{BB962C8B-B14F-4D97-AF65-F5344CB8AC3E}">
+        <p14:creationId xmlns:p14="http://schemas.microsoft.com/office/powerpoint/2010/main" val="2266497572"/>
+      </p:ext>
+    </p:extLst>
+  </p:cSld>
+  <p:clrMap bg1="lt1" tx1="dk1" bg2="lt2" tx2="dk2" accent1="accent1" accent2="accent2" accent3="accent3" accent4="accent4" accent5="accent5" accent6="accent6" hlink="hlink" folHlink="folHlink"/>
+  <p:notesStyle>
+    <a:lvl1pPr marL="0" algn="l" defTabSz="914400" rtl="0" eaLnBrk="1" latinLnBrk="0" hangingPunct="1">
+      <a:defRPr sz="1200" kern="1200">
+        <a:solidFill>
+          <a:schemeClr val="tx1"/>
+        </a:solidFill>
+        <a:latin typeface="+mn-lt"/>
+        <a:ea typeface="+mn-ea"/>
+        <a:cs typeface="+mn-cs"/>
+      </a:defRPr>
+    </a:lvl1pPr>
+    <a:lvl2pPr marL="457200" algn="l" defTabSz="914400" rtl="0" eaLnBrk="1" latinLnBrk="0" hangingPunct="1">
+      <a:defRPr sz="1200" kern="1200">
+        <a:solidFill>
+          <a:schemeClr val="tx1"/>
+        </a:solidFill>
+        <a:latin typeface="+mn-lt"/>
+        <a:ea typeface="+mn-ea"/>
+        <a:cs typeface="+mn-cs"/>
+      </a:defRPr>
+    </a:lvl2pPr>
+    <a:lvl3pPr marL="914400" algn="l" defTabSz="914400" rtl="0" eaLnBrk="1" latinLnBrk="0" hangingPunct="1">
+      <a:defRPr sz="1200" kern="1200">
+        <a:solidFill>
+          <a:schemeClr val="tx1"/>
+        </a:solidFill>
+        <a:latin typeface="+mn-lt"/>
+        <a:ea typeface="+mn-ea"/>
+        <a:cs typeface="+mn-cs"/>
+      </a:defRPr>
+    </a:lvl3pPr>
+    <a:lvl4pPr marL="1371600" algn="l" defTabSz="914400" rtl="0" eaLnBrk="1" latinLnBrk="0" hangingPunct="1">
+      <a:defRPr sz="1200" kern="1200">
+        <a:solidFill>
+          <a:schemeClr val="tx1"/>
+        </a:solidFill>
+        <a:latin typeface="+mn-lt"/>
+        <a:ea typeface="+mn-ea"/>
+        <a:cs typeface="+mn-cs"/>
+      </a:defRPr>
+    </a:lvl4pPr>
+    <a:lvl5pPr marL="1828800" algn="l" defTabSz="914400" rtl="0" eaLnBrk="1" latinLnBrk="0" hangingPunct="1">
+      <a:defRPr sz="1200" kern="1200">
+        <a:solidFill>
+          <a:schemeClr val="tx1"/>
+        </a:solidFill>
+        <a:latin typeface="+mn-lt"/>
+        <a:ea typeface="+mn-ea"/>
+        <a:cs typeface="+mn-cs"/>
+      </a:defRPr>
+    </a:lvl5pPr>
+    <a:lvl6pPr marL="2286000" algn="l" defTabSz="914400" rtl="0" eaLnBrk="1" latinLnBrk="0" hangingPunct="1">
+      <a:defRPr sz="1200" kern="1200">
+        <a:solidFill>
+          <a:schemeClr val="tx1"/>
+        </a:solidFill>
+        <a:latin typeface="+mn-lt"/>
+        <a:ea typeface="+mn-ea"/>
+        <a:cs typeface="+mn-cs"/>
+      </a:defRPr>
+    </a:lvl6pPr>
+    <a:lvl7pPr marL="2743200" algn="l" defTabSz="914400" rtl="0" eaLnBrk="1" latinLnBrk="0" hangingPunct="1">
+      <a:defRPr sz="1200" kern="1200">
+        <a:solidFill>
+          <a:schemeClr val="tx1"/>
+        </a:solidFill>
+        <a:latin typeface="+mn-lt"/>
+        <a:ea typeface="+mn-ea"/>
+        <a:cs typeface="+mn-cs"/>
+      </a:defRPr>
+    </a:lvl7pPr>
+    <a:lvl8pPr marL="3200400" algn="l" defTabSz="914400" rtl="0" eaLnBrk="1" latinLnBrk="0" hangingPunct="1">
+      <a:defRPr sz="1200" kern="1200">
+        <a:solidFill>
+          <a:schemeClr val="tx1"/>
+        </a:solidFill>
+        <a:latin typeface="+mn-lt"/>
+        <a:ea typeface="+mn-ea"/>
+        <a:cs typeface="+mn-cs"/>
+      </a:defRPr>
+    </a:lvl8pPr>
+    <a:lvl9pPr marL="3657600" algn="l" defTabSz="914400" rtl="0" eaLnBrk="1" latinLnBrk="0" hangingPunct="1">
+      <a:defRPr sz="1200" kern="1200">
+        <a:solidFill>
+          <a:schemeClr val="tx1"/>
+        </a:solidFill>
+        <a:latin typeface="+mn-lt"/>
+        <a:ea typeface="+mn-ea"/>
+        <a:cs typeface="+mn-cs"/>
+      </a:defRPr>
+    </a:lvl9pPr>
+  </p:notesStyle>
+</p:notesMaster>
+</file>
+
+<file path=ppt/notesSlides/notesSlide1.xml><?xml version="1.0" encoding="utf-8"?>
+<p:notes xmlns:a="http://schemas.openxmlformats.org/drawingml/2006/main" xmlns:r="http://schemas.openxmlformats.org/officeDocument/2006/relationships" xmlns:p="http://schemas.openxmlformats.org/presentationml/2006/main">
+  <p:cSld>
+    <p:spTree>
+      <p:nvGrpSpPr>
+        <p:cNvPr id="1" name=""/>
+        <p:cNvGrpSpPr/>
+        <p:nvPr/>
+      </p:nvGrpSpPr>
+      <p:grpSpPr>
+        <a:xfrm>
+          <a:off x="0" y="0"/>
+          <a:ext cx="0" cy="0"/>
+          <a:chOff x="0" y="0"/>
+          <a:chExt cx="0" cy="0"/>
+        </a:xfrm>
+      </p:grpSpPr>
+      <p:sp>
+        <p:nvSpPr>
+          <p:cNvPr id="2" name="Slide Image Placeholder 1"/>
+          <p:cNvSpPr>
+            <a:spLocks noGrp="1" noRot="1" noChangeAspect="1"/>
+          </p:cNvSpPr>
+          <p:nvPr>
+            <p:ph type="sldImg"/>
+          </p:nvPr>
+        </p:nvSpPr>
+        <p:spPr/>
+      </p:sp>
+      <p:sp>
+        <p:nvSpPr>
+          <p:cNvPr id="3" name="Notes Placeholder 2"/>
+          <p:cNvSpPr>
+            <a:spLocks noGrp="1"/>
+          </p:cNvSpPr>
+          <p:nvPr>
+            <p:ph type="body" idx="1"/>
+          </p:nvPr>
+        </p:nvSpPr>
+        <p:spPr/>
+        <p:txBody>
+          <a:bodyPr/>
+          <a:lstStyle/>
+          <a:p>
+            <a:endParaRPr lang="en-GB" dirty="0"/>
+          </a:p>
+        </p:txBody>
+      </p:sp>
+      <p:sp>
+        <p:nvSpPr>
+          <p:cNvPr id="4" name="Slide Number Placeholder 3"/>
+          <p:cNvSpPr>
+            <a:spLocks noGrp="1"/>
+          </p:cNvSpPr>
+          <p:nvPr>
+            <p:ph type="sldNum" sz="quarter" idx="5"/>
+          </p:nvPr>
+        </p:nvSpPr>
+        <p:spPr/>
+        <p:txBody>
+          <a:bodyPr/>
+          <a:lstStyle/>
+          <a:p>
+            <a:fld id="{D5AD2CB1-5A3B-4C62-917A-AF21F79D93C2}" type="slidenum">
+              <a:rPr lang="en-GB" smtClean="0"/>
+              <a:t>1</a:t>
+            </a:fld>
+            <a:endParaRPr lang="en-GB"/>
+          </a:p>
+        </p:txBody>
+      </p:sp>
+    </p:spTree>
+    <p:extLst>
+      <p:ext uri="{BB962C8B-B14F-4D97-AF65-F5344CB8AC3E}">
+        <p14:creationId xmlns:p14="http://schemas.microsoft.com/office/powerpoint/2010/main" val="159426899"/>
+      </p:ext>
+    </p:extLst>
+  </p:cSld>
+  <p:clrMapOvr>
+    <a:masterClrMapping/>
+  </p:clrMapOvr>
+</p:notes>
+</file>
+
+<file path=ppt/notesSlides/notesSlide2.xml><?xml version="1.0" encoding="utf-8"?>
+<p:notes xmlns:a="http://schemas.openxmlformats.org/drawingml/2006/main" xmlns:r="http://schemas.openxmlformats.org/officeDocument/2006/relationships" xmlns:p="http://schemas.openxmlformats.org/presentationml/2006/main">
+  <p:cSld>
+    <p:spTree>
+      <p:nvGrpSpPr>
+        <p:cNvPr id="1" name=""/>
+        <p:cNvGrpSpPr/>
+        <p:nvPr/>
+      </p:nvGrpSpPr>
+      <p:grpSpPr>
+        <a:xfrm>
+          <a:off x="0" y="0"/>
+          <a:ext cx="0" cy="0"/>
+          <a:chOff x="0" y="0"/>
+          <a:chExt cx="0" cy="0"/>
+        </a:xfrm>
+      </p:grpSpPr>
+      <p:sp>
+        <p:nvSpPr>
+          <p:cNvPr id="2" name="Slide Image Placeholder 1"/>
+          <p:cNvSpPr>
+            <a:spLocks noGrp="1" noRot="1" noChangeAspect="1"/>
+          </p:cNvSpPr>
+          <p:nvPr>
+            <p:ph type="sldImg"/>
+          </p:nvPr>
+        </p:nvSpPr>
+        <p:spPr/>
+      </p:sp>
+      <p:sp>
+        <p:nvSpPr>
+          <p:cNvPr id="3" name="Notes Placeholder 2"/>
+          <p:cNvSpPr>
+            <a:spLocks noGrp="1"/>
+          </p:cNvSpPr>
+          <p:nvPr>
+            <p:ph type="body" idx="1"/>
+          </p:nvPr>
+        </p:nvSpPr>
+        <p:spPr/>
+        <p:txBody>
+          <a:bodyPr/>
+          <a:lstStyle/>
+          <a:p>
+            <a:r>
+              <a:rPr lang="en-GB" dirty="0"/>
+              <a:t>Spasticity – The resistance to movement increases with increasing movement amplitude and velocity</a:t>
+            </a:r>
+          </a:p>
+          <a:p>
+            <a:endParaRPr lang="en-GB" dirty="0"/>
+          </a:p>
+          <a:p>
+            <a:r>
+              <a:rPr lang="en-GB" dirty="0"/>
+              <a:t>Hemiparesis – The limbs are frequently weaker at distal parts, for </a:t>
+            </a:r>
+            <a:r>
+              <a:rPr lang="en-GB" dirty="0" err="1"/>
+              <a:t>ie</a:t>
+            </a:r>
+            <a:r>
+              <a:rPr lang="en-GB" dirty="0"/>
+              <a:t> hands and feet.</a:t>
+            </a:r>
+          </a:p>
+          <a:p>
+            <a:endParaRPr lang="en-GB" dirty="0"/>
+          </a:p>
+          <a:p>
+            <a:endParaRPr lang="en-GB" dirty="0"/>
+          </a:p>
+        </p:txBody>
+      </p:sp>
+      <p:sp>
+        <p:nvSpPr>
+          <p:cNvPr id="4" name="Slide Number Placeholder 3"/>
+          <p:cNvSpPr>
+            <a:spLocks noGrp="1"/>
+          </p:cNvSpPr>
+          <p:nvPr>
+            <p:ph type="sldNum" sz="quarter" idx="5"/>
+          </p:nvPr>
+        </p:nvSpPr>
+        <p:spPr/>
+        <p:txBody>
+          <a:bodyPr/>
+          <a:lstStyle/>
+          <a:p>
+            <a:fld id="{D5AD2CB1-5A3B-4C62-917A-AF21F79D93C2}" type="slidenum">
+              <a:rPr lang="en-GB" smtClean="0"/>
+              <a:t>4</a:t>
+            </a:fld>
+            <a:endParaRPr lang="en-GB"/>
+          </a:p>
+        </p:txBody>
+      </p:sp>
+    </p:spTree>
+    <p:extLst>
+      <p:ext uri="{BB962C8B-B14F-4D97-AF65-F5344CB8AC3E}">
+        <p14:creationId xmlns:p14="http://schemas.microsoft.com/office/powerpoint/2010/main" val="3231258146"/>
+      </p:ext>
+    </p:extLst>
+  </p:cSld>
+  <p:clrMapOvr>
+    <a:masterClrMapping/>
+  </p:clrMapOvr>
+</p:notes>
+</file>
+
+<file path=ppt/notesSlides/notesSlide3.xml><?xml version="1.0" encoding="utf-8"?>
+<p:notes xmlns:a="http://schemas.openxmlformats.org/drawingml/2006/main" xmlns:r="http://schemas.openxmlformats.org/officeDocument/2006/relationships" xmlns:p="http://schemas.openxmlformats.org/presentationml/2006/main">
+  <p:cSld>
+    <p:spTree>
+      <p:nvGrpSpPr>
+        <p:cNvPr id="1" name=""/>
+        <p:cNvGrpSpPr/>
+        <p:nvPr/>
+      </p:nvGrpSpPr>
+      <p:grpSpPr>
+        <a:xfrm>
+          <a:off x="0" y="0"/>
+          <a:ext cx="0" cy="0"/>
+          <a:chOff x="0" y="0"/>
+          <a:chExt cx="0" cy="0"/>
+        </a:xfrm>
+      </p:grpSpPr>
+      <p:sp>
+        <p:nvSpPr>
+          <p:cNvPr id="2" name="Slide Image Placeholder 1"/>
+          <p:cNvSpPr>
+            <a:spLocks noGrp="1" noRot="1" noChangeAspect="1"/>
+          </p:cNvSpPr>
+          <p:nvPr>
+            <p:ph type="sldImg"/>
+          </p:nvPr>
+        </p:nvSpPr>
+        <p:spPr/>
+      </p:sp>
+      <p:sp>
+        <p:nvSpPr>
+          <p:cNvPr id="3" name="Notes Placeholder 2"/>
+          <p:cNvSpPr>
+            <a:spLocks noGrp="1"/>
+          </p:cNvSpPr>
+          <p:nvPr>
+            <p:ph type="body" idx="1"/>
+          </p:nvPr>
+        </p:nvSpPr>
+        <p:spPr/>
+        <p:txBody>
+          <a:bodyPr/>
+          <a:lstStyle/>
+          <a:p>
+            <a:r>
+              <a:rPr lang="en-GB" dirty="0"/>
+              <a:t>Rehabilitation Robotic devices for Stroke Rehabilitation are classified in a number of ways.</a:t>
+            </a:r>
+          </a:p>
+          <a:p>
+            <a:endParaRPr lang="en-GB" dirty="0"/>
+          </a:p>
+          <a:p>
+            <a:r>
+              <a:rPr lang="en-GB" dirty="0"/>
+              <a:t>Devices are identified by the targeted areas. Upper limb devices are designed for the rehabilitation of shoulder, elbow, hands, grip etc. Lower Limb devices are designed for gait training, ankle rehabilitation etc.</a:t>
+            </a:r>
+          </a:p>
+          <a:p>
+            <a:endParaRPr lang="en-GB" dirty="0"/>
+          </a:p>
+          <a:p>
+            <a:r>
+              <a:rPr lang="en-GB" dirty="0"/>
+              <a:t>Devices are exoskeleton, where the limb is supported by a structure which mimics the skeleton, or end effector based, which contact the patient only at the distal part of the limb (the hand in the case of upper limb devices).</a:t>
+            </a:r>
+          </a:p>
+          <a:p>
+            <a:endParaRPr lang="en-GB" dirty="0"/>
+          </a:p>
+          <a:p>
+            <a:r>
+              <a:rPr lang="en-GB" dirty="0"/>
+              <a:t>Class 1 devices are expensive and are intended for lab or clinic based use. Class 2 devices are less expensive and are designed for </a:t>
+            </a:r>
+            <a:r>
+              <a:rPr lang="en-GB"/>
+              <a:t>unsupervised </a:t>
+            </a:r>
+            <a:endParaRPr lang="en-GB" dirty="0"/>
+          </a:p>
+        </p:txBody>
+      </p:sp>
+      <p:sp>
+        <p:nvSpPr>
+          <p:cNvPr id="4" name="Slide Number Placeholder 3"/>
+          <p:cNvSpPr>
+            <a:spLocks noGrp="1"/>
+          </p:cNvSpPr>
+          <p:nvPr>
+            <p:ph type="sldNum" sz="quarter" idx="5"/>
+          </p:nvPr>
+        </p:nvSpPr>
+        <p:spPr/>
+        <p:txBody>
+          <a:bodyPr/>
+          <a:lstStyle/>
+          <a:p>
+            <a:fld id="{D5AD2CB1-5A3B-4C62-917A-AF21F79D93C2}" type="slidenum">
+              <a:rPr lang="en-GB" smtClean="0"/>
+              <a:t>5</a:t>
+            </a:fld>
+            <a:endParaRPr lang="en-GB"/>
+          </a:p>
+        </p:txBody>
+      </p:sp>
+    </p:spTree>
+    <p:extLst>
+      <p:ext uri="{BB962C8B-B14F-4D97-AF65-F5344CB8AC3E}">
+        <p14:creationId xmlns:p14="http://schemas.microsoft.com/office/powerpoint/2010/main" val="2342524419"/>
+      </p:ext>
+    </p:extLst>
+  </p:cSld>
+  <p:clrMapOvr>
+    <a:masterClrMapping/>
+  </p:clrMapOvr>
+</p:notes>
+</file>
+
+<file path=ppt/notesSlides/notesSlide4.xml><?xml version="1.0" encoding="utf-8"?>
+<p:notes xmlns:a="http://schemas.openxmlformats.org/drawingml/2006/main" xmlns:r="http://schemas.openxmlformats.org/officeDocument/2006/relationships" xmlns:p="http://schemas.openxmlformats.org/presentationml/2006/main">
+  <p:cSld>
+    <p:spTree>
+      <p:nvGrpSpPr>
+        <p:cNvPr id="1" name=""/>
+        <p:cNvGrpSpPr/>
+        <p:nvPr/>
+      </p:nvGrpSpPr>
+      <p:grpSpPr>
+        <a:xfrm>
+          <a:off x="0" y="0"/>
+          <a:ext cx="0" cy="0"/>
+          <a:chOff x="0" y="0"/>
+          <a:chExt cx="0" cy="0"/>
+        </a:xfrm>
+      </p:grpSpPr>
+      <p:sp>
+        <p:nvSpPr>
+          <p:cNvPr id="2" name="Slide Image Placeholder 1"/>
+          <p:cNvSpPr>
+            <a:spLocks noGrp="1" noRot="1" noChangeAspect="1"/>
+          </p:cNvSpPr>
+          <p:nvPr>
+            <p:ph type="sldImg"/>
+          </p:nvPr>
+        </p:nvSpPr>
+        <p:spPr/>
+      </p:sp>
+      <p:sp>
+        <p:nvSpPr>
+          <p:cNvPr id="3" name="Notes Placeholder 2"/>
+          <p:cNvSpPr>
+            <a:spLocks noGrp="1"/>
+          </p:cNvSpPr>
+          <p:nvPr>
+            <p:ph type="body" idx="1"/>
+          </p:nvPr>
+        </p:nvSpPr>
+        <p:spPr/>
+        <p:txBody>
+          <a:bodyPr/>
+          <a:lstStyle/>
+          <a:p>
+            <a:r>
+              <a:rPr lang="en-GB" dirty="0"/>
+              <a:t>Findings from the literature review justify the aims of MyPAM:</a:t>
+            </a:r>
+          </a:p>
+          <a:p>
+            <a:pPr marL="228600" indent="-228600">
+              <a:buAutoNum type="arabicPeriod"/>
+            </a:pPr>
+            <a:r>
+              <a:rPr lang="en-GB" dirty="0"/>
+              <a:t>Improve the cost-to-benefit ratio, specifically mentioning the requirement for lost cost solutions to enhance patient accessibility to rehabilitation robotics.</a:t>
+            </a:r>
+          </a:p>
+          <a:p>
+            <a:pPr marL="228600" indent="-228600">
+              <a:buAutoNum type="arabicPeriod"/>
+            </a:pPr>
+            <a:r>
+              <a:rPr lang="en-GB" dirty="0"/>
+              <a:t>A comparison of low-level control algorithms</a:t>
+            </a:r>
+          </a:p>
+        </p:txBody>
+      </p:sp>
+      <p:sp>
+        <p:nvSpPr>
+          <p:cNvPr id="4" name="Slide Number Placeholder 3"/>
+          <p:cNvSpPr>
+            <a:spLocks noGrp="1"/>
+          </p:cNvSpPr>
+          <p:nvPr>
+            <p:ph type="sldNum" sz="quarter" idx="5"/>
+          </p:nvPr>
+        </p:nvSpPr>
+        <p:spPr/>
+        <p:txBody>
+          <a:bodyPr/>
+          <a:lstStyle/>
+          <a:p>
+            <a:fld id="{D5AD2CB1-5A3B-4C62-917A-AF21F79D93C2}" type="slidenum">
+              <a:rPr lang="en-GB" smtClean="0"/>
+              <a:t>6</a:t>
+            </a:fld>
+            <a:endParaRPr lang="en-GB"/>
+          </a:p>
+        </p:txBody>
+      </p:sp>
+    </p:spTree>
+    <p:extLst>
+      <p:ext uri="{BB962C8B-B14F-4D97-AF65-F5344CB8AC3E}">
+        <p14:creationId xmlns:p14="http://schemas.microsoft.com/office/powerpoint/2010/main" val="1458804406"/>
+      </p:ext>
+    </p:extLst>
+  </p:cSld>
+  <p:clrMapOvr>
+    <a:masterClrMapping/>
+  </p:clrMapOvr>
+</p:notes>
+</file>
+
+<file path=ppt/notesSlides/notesSlide5.xml><?xml version="1.0" encoding="utf-8"?>
+<p:notes xmlns:a="http://schemas.openxmlformats.org/drawingml/2006/main" xmlns:r="http://schemas.openxmlformats.org/officeDocument/2006/relationships" xmlns:p="http://schemas.openxmlformats.org/presentationml/2006/main">
+  <p:cSld>
+    <p:spTree>
+      <p:nvGrpSpPr>
+        <p:cNvPr id="1" name=""/>
+        <p:cNvGrpSpPr/>
+        <p:nvPr/>
+      </p:nvGrpSpPr>
+      <p:grpSpPr>
+        <a:xfrm>
+          <a:off x="0" y="0"/>
+          <a:ext cx="0" cy="0"/>
+          <a:chOff x="0" y="0"/>
+          <a:chExt cx="0" cy="0"/>
+        </a:xfrm>
+      </p:grpSpPr>
+      <p:sp>
+        <p:nvSpPr>
+          <p:cNvPr id="2" name="Slide Image Placeholder 1"/>
+          <p:cNvSpPr>
+            <a:spLocks noGrp="1" noRot="1" noChangeAspect="1"/>
+          </p:cNvSpPr>
+          <p:nvPr>
+            <p:ph type="sldImg"/>
+          </p:nvPr>
+        </p:nvSpPr>
+        <p:spPr/>
+      </p:sp>
+      <p:sp>
+        <p:nvSpPr>
+          <p:cNvPr id="3" name="Notes Placeholder 2"/>
+          <p:cNvSpPr>
+            <a:spLocks noGrp="1"/>
+          </p:cNvSpPr>
+          <p:nvPr>
+            <p:ph type="body" idx="1"/>
+          </p:nvPr>
+        </p:nvSpPr>
+        <p:spPr/>
+        <p:txBody>
+          <a:bodyPr/>
+          <a:lstStyle/>
+          <a:p>
+            <a:r>
+              <a:rPr lang="en-GB" dirty="0" err="1"/>
+              <a:t>RealTime</a:t>
+            </a:r>
+            <a:r>
+              <a:rPr lang="en-GB" dirty="0"/>
+              <a:t> OS on myRIO communicates with Unity via TCP</a:t>
+            </a:r>
+          </a:p>
+        </p:txBody>
+      </p:sp>
+      <p:sp>
+        <p:nvSpPr>
+          <p:cNvPr id="4" name="Slide Number Placeholder 3"/>
+          <p:cNvSpPr>
+            <a:spLocks noGrp="1"/>
+          </p:cNvSpPr>
+          <p:nvPr>
+            <p:ph type="sldNum" sz="quarter" idx="5"/>
+          </p:nvPr>
+        </p:nvSpPr>
+        <p:spPr/>
+        <p:txBody>
+          <a:bodyPr/>
+          <a:lstStyle/>
+          <a:p>
+            <a:fld id="{D5AD2CB1-5A3B-4C62-917A-AF21F79D93C2}" type="slidenum">
+              <a:rPr lang="en-GB" smtClean="0"/>
+              <a:t>8</a:t>
+            </a:fld>
+            <a:endParaRPr lang="en-GB"/>
+          </a:p>
+        </p:txBody>
+      </p:sp>
+    </p:spTree>
+    <p:extLst>
+      <p:ext uri="{BB962C8B-B14F-4D97-AF65-F5344CB8AC3E}">
+        <p14:creationId xmlns:p14="http://schemas.microsoft.com/office/powerpoint/2010/main" val="3441111412"/>
+      </p:ext>
+    </p:extLst>
+  </p:cSld>
+  <p:clrMapOvr>
+    <a:masterClrMapping/>
+  </p:clrMapOvr>
+</p:notes>
+</file>
+
+<file path=ppt/notesSlides/notesSlide6.xml><?xml version="1.0" encoding="utf-8"?>
+<p:notes xmlns:a="http://schemas.openxmlformats.org/drawingml/2006/main" xmlns:r="http://schemas.openxmlformats.org/officeDocument/2006/relationships" xmlns:p="http://schemas.openxmlformats.org/presentationml/2006/main">
+  <p:cSld>
+    <p:spTree>
+      <p:nvGrpSpPr>
+        <p:cNvPr id="1" name=""/>
+        <p:cNvGrpSpPr/>
+        <p:nvPr/>
+      </p:nvGrpSpPr>
+      <p:grpSpPr>
+        <a:xfrm>
+          <a:off x="0" y="0"/>
+          <a:ext cx="0" cy="0"/>
+          <a:chOff x="0" y="0"/>
+          <a:chExt cx="0" cy="0"/>
+        </a:xfrm>
+      </p:grpSpPr>
+      <p:sp>
+        <p:nvSpPr>
+          <p:cNvPr id="2" name="Slide Image Placeholder 1"/>
+          <p:cNvSpPr>
+            <a:spLocks noGrp="1" noRot="1" noChangeAspect="1"/>
+          </p:cNvSpPr>
+          <p:nvPr>
+            <p:ph type="sldImg"/>
+          </p:nvPr>
+        </p:nvSpPr>
+        <p:spPr/>
+      </p:sp>
+      <p:sp>
+        <p:nvSpPr>
+          <p:cNvPr id="3" name="Notes Placeholder 2"/>
+          <p:cNvSpPr>
+            <a:spLocks noGrp="1"/>
+          </p:cNvSpPr>
+          <p:nvPr>
+            <p:ph type="body" idx="1"/>
+          </p:nvPr>
+        </p:nvSpPr>
+        <p:spPr/>
+        <p:txBody>
+          <a:bodyPr/>
+          <a:lstStyle/>
+          <a:p>
+            <a:endParaRPr lang="en-GB" dirty="0"/>
+          </a:p>
+        </p:txBody>
+      </p:sp>
+      <p:sp>
+        <p:nvSpPr>
+          <p:cNvPr id="4" name="Slide Number Placeholder 3"/>
+          <p:cNvSpPr>
+            <a:spLocks noGrp="1"/>
+          </p:cNvSpPr>
+          <p:nvPr>
+            <p:ph type="sldNum" sz="quarter" idx="5"/>
+          </p:nvPr>
+        </p:nvSpPr>
+        <p:spPr/>
+        <p:txBody>
+          <a:bodyPr/>
+          <a:lstStyle/>
+          <a:p>
+            <a:fld id="{D5AD2CB1-5A3B-4C62-917A-AF21F79D93C2}" type="slidenum">
+              <a:rPr lang="en-GB" smtClean="0"/>
+              <a:t>9</a:t>
+            </a:fld>
+            <a:endParaRPr lang="en-GB"/>
+          </a:p>
+        </p:txBody>
+      </p:sp>
+    </p:spTree>
+    <p:extLst>
+      <p:ext uri="{BB962C8B-B14F-4D97-AF65-F5344CB8AC3E}">
+        <p14:creationId xmlns:p14="http://schemas.microsoft.com/office/powerpoint/2010/main" val="3781230893"/>
+      </p:ext>
+    </p:extLst>
+  </p:cSld>
+  <p:clrMapOvr>
+    <a:masterClrMapping/>
+  </p:clrMapOvr>
+</p:notes>
+</file>
+
 <file path=ppt/slideLayouts/slideLayout1.xml><?xml version="1.0" encoding="utf-8"?>
 <p:sldLayout xmlns:a="http://schemas.openxmlformats.org/drawingml/2006/main" xmlns:r="http://schemas.openxmlformats.org/officeDocument/2006/relationships" xmlns:p="http://schemas.openxmlformats.org/presentationml/2006/main" type="title" preserve="1">
   <p:cSld name="Title Slide">
@@ -305,7 +1253,7 @@
           <a:p>
             <a:fld id="{F4FA6BC7-0BC6-418A-8559-C365810DAE0C}" type="datetimeFigureOut">
               <a:rPr lang="en-GB" smtClean="0"/>
-              <a:t>22/05/2019</a:t>
+              <a:t>06/06/2019</a:t>
             </a:fld>
             <a:endParaRPr lang="en-GB"/>
           </a:p>
@@ -580,7 +1528,7 @@
           <a:p>
             <a:fld id="{F4FA6BC7-0BC6-418A-8559-C365810DAE0C}" type="datetimeFigureOut">
               <a:rPr lang="en-GB" smtClean="0"/>
-              <a:t>22/05/2019</a:t>
+              <a:t>06/06/2019</a:t>
             </a:fld>
             <a:endParaRPr lang="en-GB"/>
           </a:p>
@@ -774,7 +1722,7 @@
           <a:p>
             <a:fld id="{F4FA6BC7-0BC6-418A-8559-C365810DAE0C}" type="datetimeFigureOut">
               <a:rPr lang="en-GB" smtClean="0"/>
-              <a:t>22/05/2019</a:t>
+              <a:t>06/06/2019</a:t>
             </a:fld>
             <a:endParaRPr lang="en-GB"/>
           </a:p>
@@ -1047,7 +1995,7 @@
           <a:p>
             <a:fld id="{F4FA6BC7-0BC6-418A-8559-C365810DAE0C}" type="datetimeFigureOut">
               <a:rPr lang="en-GB" smtClean="0"/>
-              <a:t>22/05/2019</a:t>
+              <a:t>06/06/2019</a:t>
             </a:fld>
             <a:endParaRPr lang="en-GB"/>
           </a:p>
@@ -1388,7 +2336,7 @@
           <a:p>
             <a:fld id="{F4FA6BC7-0BC6-418A-8559-C365810DAE0C}" type="datetimeFigureOut">
               <a:rPr lang="en-GB" smtClean="0"/>
-              <a:t>22/05/2019</a:t>
+              <a:t>06/06/2019</a:t>
             </a:fld>
             <a:endParaRPr lang="en-GB"/>
           </a:p>
@@ -2011,7 +2959,7 @@
           <a:p>
             <a:fld id="{F4FA6BC7-0BC6-418A-8559-C365810DAE0C}" type="datetimeFigureOut">
               <a:rPr lang="en-GB" smtClean="0"/>
-              <a:t>22/05/2019</a:t>
+              <a:t>06/06/2019</a:t>
             </a:fld>
             <a:endParaRPr lang="en-GB"/>
           </a:p>
@@ -2871,7 +3819,7 @@
           <a:p>
             <a:fld id="{F4FA6BC7-0BC6-418A-8559-C365810DAE0C}" type="datetimeFigureOut">
               <a:rPr lang="en-GB" smtClean="0"/>
-              <a:t>22/05/2019</a:t>
+              <a:t>06/06/2019</a:t>
             </a:fld>
             <a:endParaRPr lang="en-GB"/>
           </a:p>
@@ -3041,7 +3989,7 @@
           <a:p>
             <a:fld id="{F4FA6BC7-0BC6-418A-8559-C365810DAE0C}" type="datetimeFigureOut">
               <a:rPr lang="en-GB" smtClean="0"/>
-              <a:t>22/05/2019</a:t>
+              <a:t>06/06/2019</a:t>
             </a:fld>
             <a:endParaRPr lang="en-GB"/>
           </a:p>
@@ -3221,7 +4169,7 @@
           <a:p>
             <a:fld id="{F4FA6BC7-0BC6-418A-8559-C365810DAE0C}" type="datetimeFigureOut">
               <a:rPr lang="en-GB" smtClean="0"/>
-              <a:t>22/05/2019</a:t>
+              <a:t>06/06/2019</a:t>
             </a:fld>
             <a:endParaRPr lang="en-GB"/>
           </a:p>
@@ -3391,7 +4339,7 @@
           <a:p>
             <a:fld id="{F4FA6BC7-0BC6-418A-8559-C365810DAE0C}" type="datetimeFigureOut">
               <a:rPr lang="en-GB" smtClean="0"/>
-              <a:t>22/05/2019</a:t>
+              <a:t>06/06/2019</a:t>
             </a:fld>
             <a:endParaRPr lang="en-GB"/>
           </a:p>
@@ -3638,7 +4586,7 @@
           <a:p>
             <a:fld id="{F4FA6BC7-0BC6-418A-8559-C365810DAE0C}" type="datetimeFigureOut">
               <a:rPr lang="en-GB" smtClean="0"/>
-              <a:t>22/05/2019</a:t>
+              <a:t>06/06/2019</a:t>
             </a:fld>
             <a:endParaRPr lang="en-GB"/>
           </a:p>
@@ -3930,7 +4878,7 @@
           <a:p>
             <a:fld id="{F4FA6BC7-0BC6-418A-8559-C365810DAE0C}" type="datetimeFigureOut">
               <a:rPr lang="en-GB" smtClean="0"/>
-              <a:t>22/05/2019</a:t>
+              <a:t>06/06/2019</a:t>
             </a:fld>
             <a:endParaRPr lang="en-GB"/>
           </a:p>
@@ -4374,7 +5322,7 @@
           <a:p>
             <a:fld id="{F4FA6BC7-0BC6-418A-8559-C365810DAE0C}" type="datetimeFigureOut">
               <a:rPr lang="en-GB" smtClean="0"/>
-              <a:t>22/05/2019</a:t>
+              <a:t>06/06/2019</a:t>
             </a:fld>
             <a:endParaRPr lang="en-GB"/>
           </a:p>
@@ -4492,7 +5440,7 @@
           <a:p>
             <a:fld id="{F4FA6BC7-0BC6-418A-8559-C365810DAE0C}" type="datetimeFigureOut">
               <a:rPr lang="en-GB" smtClean="0"/>
-              <a:t>22/05/2019</a:t>
+              <a:t>06/06/2019</a:t>
             </a:fld>
             <a:endParaRPr lang="en-GB"/>
           </a:p>
@@ -4587,7 +5535,7 @@
           <a:p>
             <a:fld id="{F4FA6BC7-0BC6-418A-8559-C365810DAE0C}" type="datetimeFigureOut">
               <a:rPr lang="en-GB" smtClean="0"/>
-              <a:t>22/05/2019</a:t>
+              <a:t>06/06/2019</a:t>
             </a:fld>
             <a:endParaRPr lang="en-GB"/>
           </a:p>
@@ -4866,7 +5814,7 @@
           <a:p>
             <a:fld id="{F4FA6BC7-0BC6-418A-8559-C365810DAE0C}" type="datetimeFigureOut">
               <a:rPr lang="en-GB" smtClean="0"/>
-              <a:t>22/05/2019</a:t>
+              <a:t>06/06/2019</a:t>
             </a:fld>
             <a:endParaRPr lang="en-GB"/>
           </a:p>
@@ -5141,7 +6089,7 @@
           <a:p>
             <a:fld id="{F4FA6BC7-0BC6-418A-8559-C365810DAE0C}" type="datetimeFigureOut">
               <a:rPr lang="en-GB" smtClean="0"/>
-              <a:t>22/05/2019</a:t>
+              <a:t>06/06/2019</a:t>
             </a:fld>
             <a:endParaRPr lang="en-GB"/>
           </a:p>
@@ -5570,7 +6518,7 @@
           <a:p>
             <a:fld id="{F4FA6BC7-0BC6-418A-8559-C365810DAE0C}" type="datetimeFigureOut">
               <a:rPr lang="en-GB" smtClean="0"/>
-              <a:t>22/05/2019</a:t>
+              <a:t>06/06/2019</a:t>
             </a:fld>
             <a:endParaRPr lang="en-GB"/>
           </a:p>
@@ -6119,9 +7067,10 @@
           <a:bodyPr/>
           <a:lstStyle/>
           <a:p>
-            <a:r>
-              <a:rPr lang="en-GB" sz="4400" dirty="0"/>
-              <a:t>The Development and Comparison of Impedance and Admittance Control Strategies for a 2 Degree of Freedom Planar Rehabilitation Robot</a:t>
+            <a:pPr algn="ctr"/>
+            <a:r>
+              <a:rPr lang="en-GB" sz="4000" dirty="0"/>
+              <a:t>The Development and Implementation of Low-Level Control Strategies for a Robust and Effective Low-Cost Rehabilitation Robot for Home Use.</a:t>
             </a:r>
           </a:p>
         </p:txBody>
@@ -6144,12 +7093,20 @@
         </p:nvSpPr>
         <p:spPr/>
         <p:txBody>
-          <a:bodyPr/>
+          <a:bodyPr>
+            <a:normAutofit fontScale="85000" lnSpcReduction="20000"/>
+          </a:bodyPr>
           <a:lstStyle/>
           <a:p>
             <a:r>
               <a:rPr lang="en-GB" dirty="0"/>
               <a:t>Adam Metcalf</a:t>
+            </a:r>
+          </a:p>
+          <a:p>
+            <a:r>
+              <a:rPr lang="en-GB" dirty="0"/>
+              <a:t>Supervisors: Prof Martin Levesley, Dr Justin Gallagher, Dr Andrew Jackson</a:t>
             </a:r>
           </a:p>
         </p:txBody>
@@ -6158,6 +7115,89 @@
     <p:extLst>
       <p:ext uri="{BB962C8B-B14F-4D97-AF65-F5344CB8AC3E}">
         <p14:creationId xmlns:p14="http://schemas.microsoft.com/office/powerpoint/2010/main" val="4165407343"/>
+      </p:ext>
+    </p:extLst>
+  </p:cSld>
+  <p:clrMapOvr>
+    <a:masterClrMapping/>
+  </p:clrMapOvr>
+</p:sld>
+</file>
+
+<file path=ppt/slides/slide10.xml><?xml version="1.0" encoding="utf-8"?>
+<p:sld xmlns:a="http://schemas.openxmlformats.org/drawingml/2006/main" xmlns:r="http://schemas.openxmlformats.org/officeDocument/2006/relationships" xmlns:p="http://schemas.openxmlformats.org/presentationml/2006/main">
+  <p:cSld>
+    <p:spTree>
+      <p:nvGrpSpPr>
+        <p:cNvPr id="1" name=""/>
+        <p:cNvGrpSpPr/>
+        <p:nvPr/>
+      </p:nvGrpSpPr>
+      <p:grpSpPr>
+        <a:xfrm>
+          <a:off x="0" y="0"/>
+          <a:ext cx="0" cy="0"/>
+          <a:chOff x="0" y="0"/>
+          <a:chExt cx="0" cy="0"/>
+        </a:xfrm>
+      </p:grpSpPr>
+      <p:sp>
+        <p:nvSpPr>
+          <p:cNvPr id="2" name="Title 1">
+            <a:extLst>
+              <a:ext uri="{FF2B5EF4-FFF2-40B4-BE49-F238E27FC236}">
+                <a16:creationId xmlns:a16="http://schemas.microsoft.com/office/drawing/2014/main" id="{22C38404-F4F7-4EEC-80E4-21AC552F4BA5}"/>
+              </a:ext>
+            </a:extLst>
+          </p:cNvPr>
+          <p:cNvSpPr>
+            <a:spLocks noGrp="1"/>
+          </p:cNvSpPr>
+          <p:nvPr>
+            <p:ph type="title"/>
+          </p:nvPr>
+        </p:nvSpPr>
+        <p:spPr/>
+        <p:txBody>
+          <a:bodyPr/>
+          <a:lstStyle/>
+          <a:p>
+            <a:r>
+              <a:rPr lang="en-GB" dirty="0"/>
+              <a:t>Impedance Control </a:t>
+            </a:r>
+          </a:p>
+        </p:txBody>
+      </p:sp>
+      <p:sp>
+        <p:nvSpPr>
+          <p:cNvPr id="3" name="Content Placeholder 2">
+            <a:extLst>
+              <a:ext uri="{FF2B5EF4-FFF2-40B4-BE49-F238E27FC236}">
+                <a16:creationId xmlns:a16="http://schemas.microsoft.com/office/drawing/2014/main" id="{92FBDB50-ACD2-45EF-8246-DEAA3A82293A}"/>
+              </a:ext>
+            </a:extLst>
+          </p:cNvPr>
+          <p:cNvSpPr>
+            <a:spLocks noGrp="1"/>
+          </p:cNvSpPr>
+          <p:nvPr>
+            <p:ph idx="1"/>
+          </p:nvPr>
+        </p:nvSpPr>
+        <p:spPr/>
+        <p:txBody>
+          <a:bodyPr/>
+          <a:lstStyle/>
+          <a:p>
+            <a:endParaRPr lang="en-GB"/>
+          </a:p>
+        </p:txBody>
+      </p:sp>
+    </p:spTree>
+    <p:extLst>
+      <p:ext uri="{BB962C8B-B14F-4D97-AF65-F5344CB8AC3E}">
+        <p14:creationId xmlns:p14="http://schemas.microsoft.com/office/powerpoint/2010/main" val="1890211089"/>
       </p:ext>
     </p:extLst>
   </p:cSld>
@@ -6207,7 +7247,7 @@
           <a:p>
             <a:r>
               <a:rPr lang="en-GB" dirty="0"/>
-              <a:t>Strokes are bad</a:t>
+              <a:t>Strokes are bad - frequency</a:t>
             </a:r>
           </a:p>
         </p:txBody>
@@ -6233,7 +7273,7 @@
           <a:bodyPr/>
           <a:lstStyle/>
           <a:p>
-            <a:endParaRPr lang="en-GB"/>
+            <a:endParaRPr lang="en-GB" dirty="0"/>
           </a:p>
         </p:txBody>
       </p:sp>
@@ -6290,7 +7330,7 @@
           <a:p>
             <a:r>
               <a:rPr lang="en-GB" dirty="0"/>
-              <a:t>Rehabilitation Robotics - Overview</a:t>
+              <a:t>Strokes are bad – Greying of the population</a:t>
             </a:r>
           </a:p>
         </p:txBody>
@@ -6316,17 +7356,14 @@
           <a:bodyPr/>
           <a:lstStyle/>
           <a:p>
-            <a:r>
-              <a:rPr lang="en-GB" dirty="0"/>
-              <a:t>Class 1 and class 2 devices</a:t>
-            </a:r>
+            <a:endParaRPr lang="en-GB" dirty="0"/>
           </a:p>
         </p:txBody>
       </p:sp>
     </p:spTree>
     <p:extLst>
       <p:ext uri="{BB962C8B-B14F-4D97-AF65-F5344CB8AC3E}">
-        <p14:creationId xmlns:p14="http://schemas.microsoft.com/office/powerpoint/2010/main" val="858375627"/>
+        <p14:creationId xmlns:p14="http://schemas.microsoft.com/office/powerpoint/2010/main" val="3964819909"/>
       </p:ext>
     </p:extLst>
   </p:cSld>
@@ -6376,7 +7413,7 @@
           <a:p>
             <a:r>
               <a:rPr lang="en-GB" dirty="0"/>
-              <a:t>Rehabilitation Robotics – Needs of the discipline </a:t>
+              <a:t>Stroke effects</a:t>
             </a:r>
           </a:p>
         </p:txBody>
@@ -6397,52 +7434,104 @@
             <p:ph idx="1"/>
           </p:nvPr>
         </p:nvSpPr>
-        <p:spPr/>
+        <p:spPr>
+          <a:xfrm>
+            <a:off x="1103312" y="2052918"/>
+            <a:ext cx="8946541" cy="2547217"/>
+          </a:xfrm>
+        </p:spPr>
         <p:txBody>
           <a:bodyPr/>
           <a:lstStyle/>
           <a:p>
             <a:r>
               <a:rPr lang="en-GB" dirty="0"/>
-              <a:t>“need to </a:t>
-            </a:r>
-            <a:r>
-              <a:rPr lang="en-GB" sz="2400" b="1" dirty="0"/>
-              <a:t>improve the cost-to-benefit ratio of robot-assisted therapy </a:t>
-            </a:r>
+              <a:t>Impaired movement control – deficits persist in approximately half of patients 6 months post stroke</a:t>
+            </a:r>
+          </a:p>
+          <a:p>
             <a:r>
               <a:rPr lang="en-GB" dirty="0"/>
-              <a:t>strategies and their effectiveness for stroke therapy </a:t>
-            </a:r>
-            <a:r>
-              <a:rPr lang="en-GB" sz="2400" b="1" dirty="0"/>
-              <a:t>in home environments</a:t>
-            </a:r>
+              <a:t>Spasticity – An increase in muscle tone</a:t>
+            </a:r>
+          </a:p>
+          <a:p>
             <a:r>
               <a:rPr lang="en-GB" dirty="0"/>
-              <a:t> characterized by the low supervision by clinical experts, low extrinsic motivation as well as </a:t>
-            </a:r>
-            <a:r>
-              <a:rPr lang="en-GB" sz="2400" b="1" dirty="0"/>
-              <a:t>low cost requirement</a:t>
-            </a:r>
+              <a:t>Hemiparesis – Weakness of the contralateral limbs</a:t>
+            </a:r>
+          </a:p>
+          <a:p>
             <a:r>
               <a:rPr lang="en-GB" dirty="0"/>
-              <a:t>” (Johnson et al, 2007).</a:t>
-            </a:r>
-          </a:p>
-          <a:p>
-            <a:r>
-              <a:rPr lang="en-GB" dirty="0"/>
-              <a:t>“rigorous </a:t>
-            </a:r>
-            <a:r>
-              <a:rPr lang="en-GB" sz="2400" b="1" dirty="0"/>
-              <a:t>comparison of control algorithms</a:t>
-            </a:r>
-            <a:r>
-              <a:rPr lang="en-GB" dirty="0"/>
-              <a:t> with each other, and with simpler, non-robotic therapy approaches” (Marchal-Crespo and Reinkensmeyer, 2009).</a:t>
+              <a:t>Abnormal Motor Control – Often exhibits as the loss of ability to simultaneously activate muscles in combination</a:t>
+            </a:r>
+          </a:p>
+        </p:txBody>
+      </p:sp>
+      <p:sp>
+        <p:nvSpPr>
+          <p:cNvPr id="4" name="TextBox 3">
+            <a:extLst>
+              <a:ext uri="{FF2B5EF4-FFF2-40B4-BE49-F238E27FC236}">
+                <a16:creationId xmlns:a16="http://schemas.microsoft.com/office/drawing/2014/main" id="{7DBCF78E-345C-41E1-8034-D7434F75563F}"/>
+              </a:ext>
+            </a:extLst>
+          </p:cNvPr>
+          <p:cNvSpPr txBox="1"/>
+          <p:nvPr/>
+        </p:nvSpPr>
+        <p:spPr>
+          <a:xfrm>
+            <a:off x="1223889" y="5050302"/>
+            <a:ext cx="184731" cy="369332"/>
+          </a:xfrm>
+          <a:prstGeom prst="rect">
+            <a:avLst/>
+          </a:prstGeom>
+          <a:noFill/>
+        </p:spPr>
+        <p:txBody>
+          <a:bodyPr wrap="none" rtlCol="0">
+            <a:spAutoFit/>
+          </a:bodyPr>
+          <a:lstStyle/>
+          <a:p>
+            <a:endParaRPr lang="en-GB" dirty="0"/>
+          </a:p>
+        </p:txBody>
+      </p:sp>
+      <p:sp>
+        <p:nvSpPr>
+          <p:cNvPr id="5" name="TextBox 4">
+            <a:extLst>
+              <a:ext uri="{FF2B5EF4-FFF2-40B4-BE49-F238E27FC236}">
+                <a16:creationId xmlns:a16="http://schemas.microsoft.com/office/drawing/2014/main" id="{5D5F42B4-5B90-4A2C-A224-0B2700447573}"/>
+              </a:ext>
+            </a:extLst>
+          </p:cNvPr>
+          <p:cNvSpPr txBox="1"/>
+          <p:nvPr/>
+        </p:nvSpPr>
+        <p:spPr>
+          <a:xfrm>
+            <a:off x="1103312" y="5788966"/>
+            <a:ext cx="8946541" cy="738664"/>
+          </a:xfrm>
+          <a:prstGeom prst="rect">
+            <a:avLst/>
+          </a:prstGeom>
+          <a:noFill/>
+        </p:spPr>
+        <p:txBody>
+          <a:bodyPr wrap="square" rtlCol="0">
+            <a:spAutoFit/>
+          </a:bodyPr>
+          <a:lstStyle/>
+          <a:p>
+            <a:r>
+              <a:rPr lang="en-GB" sz="1400" i="1" dirty="0"/>
+              <a:t>Reinkensmeyer, D.J., Dewald, J. and Rymer, W.Z., 1996. Robotic devices for physical rehabilitation of stroke patients: Fundamental requirements, target therapeutic techniques, and preliminary designs. Technology and Disability, 5(2), pp.205-215.</a:t>
             </a:r>
           </a:p>
         </p:txBody>
@@ -6450,7 +7539,7 @@
     </p:spTree>
     <p:extLst>
       <p:ext uri="{BB962C8B-B14F-4D97-AF65-F5344CB8AC3E}">
-        <p14:creationId xmlns:p14="http://schemas.microsoft.com/office/powerpoint/2010/main" val="35526275"/>
+        <p14:creationId xmlns:p14="http://schemas.microsoft.com/office/powerpoint/2010/main" val="3532871163"/>
       </p:ext>
     </p:extLst>
   </p:cSld>
@@ -6500,7 +7589,7 @@
           <a:p>
             <a:r>
               <a:rPr lang="en-GB" dirty="0"/>
-              <a:t>MyPAM – Overview</a:t>
+              <a:t>Rehabilitation Robotics - Overview</a:t>
             </a:r>
           </a:p>
         </p:txBody>
@@ -6526,14 +7615,29 @@
           <a:bodyPr/>
           <a:lstStyle/>
           <a:p>
-            <a:endParaRPr lang="en-GB"/>
+            <a:r>
+              <a:rPr lang="en-GB" dirty="0"/>
+              <a:t>Upper Limb and Lower Limb</a:t>
+            </a:r>
+          </a:p>
+          <a:p>
+            <a:r>
+              <a:rPr lang="en-GB" dirty="0"/>
+              <a:t>Exoskeleton and End-effector based</a:t>
+            </a:r>
+          </a:p>
+          <a:p>
+            <a:r>
+              <a:rPr lang="en-GB" dirty="0"/>
+              <a:t>Class 1 and class 2 devices</a:t>
+            </a:r>
           </a:p>
         </p:txBody>
       </p:sp>
     </p:spTree>
     <p:extLst>
       <p:ext uri="{BB962C8B-B14F-4D97-AF65-F5344CB8AC3E}">
-        <p14:creationId xmlns:p14="http://schemas.microsoft.com/office/powerpoint/2010/main" val="190805936"/>
+        <p14:creationId xmlns:p14="http://schemas.microsoft.com/office/powerpoint/2010/main" val="858375627"/>
       </p:ext>
     </p:extLst>
   </p:cSld>
@@ -6583,7 +7687,7 @@
           <a:p>
             <a:r>
               <a:rPr lang="en-GB" dirty="0"/>
-              <a:t>MyPAM – Current Architecture</a:t>
+              <a:t>Rehabilitation Robotics – Needs of the discipline </a:t>
             </a:r>
           </a:p>
         </p:txBody>
@@ -6609,14 +7713,102 @@
           <a:bodyPr/>
           <a:lstStyle/>
           <a:p>
-            <a:endParaRPr lang="en-GB"/>
+            <a:r>
+              <a:rPr lang="en-GB" dirty="0"/>
+              <a:t>“need to </a:t>
+            </a:r>
+            <a:r>
+              <a:rPr lang="en-GB" sz="2400" b="1" dirty="0"/>
+              <a:t>improve the cost-to-benefit ratio of robot-assisted therapy </a:t>
+            </a:r>
+            <a:r>
+              <a:rPr lang="en-GB" dirty="0"/>
+              <a:t>strategies and their effectiveness for stroke therapy </a:t>
+            </a:r>
+            <a:r>
+              <a:rPr lang="en-GB" sz="2400" b="1" dirty="0"/>
+              <a:t>in home environments</a:t>
+            </a:r>
+            <a:r>
+              <a:rPr lang="en-GB" dirty="0"/>
+              <a:t> characterized by the low supervision by clinical experts, low extrinsic motivation as well as </a:t>
+            </a:r>
+            <a:r>
+              <a:rPr lang="en-GB" sz="2400" b="1" dirty="0"/>
+              <a:t>low cost requirement</a:t>
+            </a:r>
+            <a:r>
+              <a:rPr lang="en-GB" dirty="0"/>
+              <a:t>” (Johnson et al, 2007).</a:t>
+            </a:r>
+          </a:p>
+          <a:p>
+            <a:r>
+              <a:rPr lang="en-GB" dirty="0"/>
+              <a:t>“rigorous </a:t>
+            </a:r>
+            <a:r>
+              <a:rPr lang="en-GB" sz="2400" b="1" dirty="0"/>
+              <a:t>comparison of control algorithms</a:t>
+            </a:r>
+            <a:r>
+              <a:rPr lang="en-GB" dirty="0"/>
+              <a:t> with each other, and with simpler, non-robotic therapy approaches” (Marchal-Crespo and Reinkensmeyer, 2009).</a:t>
+            </a:r>
+          </a:p>
+        </p:txBody>
+      </p:sp>
+      <p:sp>
+        <p:nvSpPr>
+          <p:cNvPr id="4" name="TextBox 3">
+            <a:extLst>
+              <a:ext uri="{FF2B5EF4-FFF2-40B4-BE49-F238E27FC236}">
+                <a16:creationId xmlns:a16="http://schemas.microsoft.com/office/drawing/2014/main" id="{4887C3CF-EAB8-4B9E-A9CF-2F09E54C9C95}"/>
+              </a:ext>
+            </a:extLst>
+          </p:cNvPr>
+          <p:cNvSpPr txBox="1"/>
+          <p:nvPr/>
+        </p:nvSpPr>
+        <p:spPr>
+          <a:xfrm>
+            <a:off x="1103311" y="5473005"/>
+            <a:ext cx="8946541" cy="1384995"/>
+          </a:xfrm>
+          <a:prstGeom prst="rect">
+            <a:avLst/>
+          </a:prstGeom>
+          <a:noFill/>
+        </p:spPr>
+        <p:txBody>
+          <a:bodyPr wrap="square" rtlCol="0">
+            <a:spAutoFit/>
+          </a:bodyPr>
+          <a:lstStyle/>
+          <a:p>
+            <a:pPr marL="228600" indent="-228600">
+              <a:buAutoNum type="arabicPeriod"/>
+            </a:pPr>
+            <a:r>
+              <a:rPr lang="en-GB" sz="1400" i="1" dirty="0"/>
+              <a:t>Reinkensmeyer, D.J., Takahashi, C.D., Timoszyk, W.K., Reinkensmeyer, A.N. and Kahn, L.E., 2001. Design of robot assistance for arm movement therapy following stroke. Advanced robotics, 14(7), pp.625-637.</a:t>
+            </a:r>
+          </a:p>
+          <a:p>
+            <a:pPr marL="228600" indent="-228600">
+              <a:buAutoNum type="arabicPeriod"/>
+            </a:pPr>
+            <a:r>
+              <a:rPr lang="en-GB" sz="1400" i="1" dirty="0"/>
+              <a:t>Marchal-Crespo, L. and Reinkensmeyer, D.J., 2009. Review of control strategies for robotic movement training after neurologic injury. Journal of NeuroEngineering and rehabilitation, 6(1), p.20. </a:t>
+            </a:r>
           </a:p>
         </p:txBody>
       </p:sp>
     </p:spTree>
     <p:extLst>
       <p:ext uri="{BB962C8B-B14F-4D97-AF65-F5344CB8AC3E}">
-        <p14:creationId xmlns:p14="http://schemas.microsoft.com/office/powerpoint/2010/main" val="32171021"/>
+        <p14:creationId xmlns:p14="http://schemas.microsoft.com/office/powerpoint/2010/main" val="35526275"/>
       </p:ext>
     </p:extLst>
   </p:cSld>
@@ -6666,7 +7858,7 @@
           <a:p>
             <a:r>
               <a:rPr lang="en-GB" dirty="0"/>
-              <a:t>Admittance Control </a:t>
+              <a:t>MyPAM – Overview</a:t>
             </a:r>
           </a:p>
         </p:txBody>
@@ -6699,7 +7891,7 @@
     </p:spTree>
     <p:extLst>
       <p:ext uri="{BB962C8B-B14F-4D97-AF65-F5344CB8AC3E}">
-        <p14:creationId xmlns:p14="http://schemas.microsoft.com/office/powerpoint/2010/main" val="1674461655"/>
+        <p14:creationId xmlns:p14="http://schemas.microsoft.com/office/powerpoint/2010/main" val="190805936"/>
       </p:ext>
     </p:extLst>
   </p:cSld>
@@ -6749,40 +7941,1440 @@
           <a:p>
             <a:r>
               <a:rPr lang="en-GB" dirty="0"/>
-              <a:t>Impedance Control </a:t>
-            </a:r>
-          </a:p>
-        </p:txBody>
-      </p:sp>
-      <p:sp>
-        <p:nvSpPr>
-          <p:cNvPr id="3" name="Content Placeholder 2">
+              <a:t>MyPAM – Current Architecture</a:t>
+            </a:r>
+          </a:p>
+        </p:txBody>
+      </p:sp>
+      <p:pic>
+        <p:nvPicPr>
+          <p:cNvPr id="4" name="Content Placeholder 3">
             <a:extLst>
               <a:ext uri="{FF2B5EF4-FFF2-40B4-BE49-F238E27FC236}">
-                <a16:creationId xmlns:a16="http://schemas.microsoft.com/office/drawing/2014/main" id="{92FBDB50-ACD2-45EF-8246-DEAA3A82293A}"/>
+                <a16:creationId xmlns:a16="http://schemas.microsoft.com/office/drawing/2014/main" id="{EF351A07-E2DE-466D-A949-682C52844A5F}"/>
               </a:ext>
             </a:extLst>
           </p:cNvPr>
-          <p:cNvSpPr>
-            <a:spLocks noGrp="1"/>
-          </p:cNvSpPr>
+          <p:cNvPicPr>
+            <a:picLocks noGrp="1" noChangeAspect="1"/>
+          </p:cNvPicPr>
           <p:nvPr>
             <p:ph idx="1"/>
           </p:nvPr>
-        </p:nvSpPr>
-        <p:spPr/>
-        <p:txBody>
-          <a:bodyPr/>
-          <a:lstStyle/>
-          <a:p>
-            <a:endParaRPr lang="en-GB"/>
-          </a:p>
-        </p:txBody>
-      </p:sp>
+        </p:nvPicPr>
+        <p:blipFill>
+          <a:blip r:embed="rId3"/>
+          <a:stretch>
+            <a:fillRect/>
+          </a:stretch>
+        </p:blipFill>
+        <p:spPr>
+          <a:xfrm>
+            <a:off x="3043483" y="1340880"/>
+            <a:ext cx="6105033" cy="5064402"/>
+          </a:xfrm>
+          <a:prstGeom prst="rect">
+            <a:avLst/>
+          </a:prstGeom>
+        </p:spPr>
+      </p:pic>
     </p:spTree>
     <p:extLst>
       <p:ext uri="{BB962C8B-B14F-4D97-AF65-F5344CB8AC3E}">
-        <p14:creationId xmlns:p14="http://schemas.microsoft.com/office/powerpoint/2010/main" val="1890211089"/>
+        <p14:creationId xmlns:p14="http://schemas.microsoft.com/office/powerpoint/2010/main" val="32171021"/>
+      </p:ext>
+    </p:extLst>
+  </p:cSld>
+  <p:clrMapOvr>
+    <a:masterClrMapping/>
+  </p:clrMapOvr>
+</p:sld>
+</file>
+
+<file path=ppt/slides/slide9.xml><?xml version="1.0" encoding="utf-8"?>
+<p:sld xmlns:a="http://schemas.openxmlformats.org/drawingml/2006/main" xmlns:r="http://schemas.openxmlformats.org/officeDocument/2006/relationships" xmlns:p="http://schemas.openxmlformats.org/presentationml/2006/main">
+  <p:cSld>
+    <p:spTree>
+      <p:nvGrpSpPr>
+        <p:cNvPr id="1" name=""/>
+        <p:cNvGrpSpPr/>
+        <p:nvPr/>
+      </p:nvGrpSpPr>
+      <p:grpSpPr>
+        <a:xfrm>
+          <a:off x="0" y="0"/>
+          <a:ext cx="0" cy="0"/>
+          <a:chOff x="0" y="0"/>
+          <a:chExt cx="0" cy="0"/>
+        </a:xfrm>
+      </p:grpSpPr>
+      <p:sp>
+        <p:nvSpPr>
+          <p:cNvPr id="2" name="Title 1">
+            <a:extLst>
+              <a:ext uri="{FF2B5EF4-FFF2-40B4-BE49-F238E27FC236}">
+                <a16:creationId xmlns:a16="http://schemas.microsoft.com/office/drawing/2014/main" id="{22C38404-F4F7-4EEC-80E4-21AC552F4BA5}"/>
+              </a:ext>
+            </a:extLst>
+          </p:cNvPr>
+          <p:cNvSpPr>
+            <a:spLocks noGrp="1"/>
+          </p:cNvSpPr>
+          <p:nvPr>
+            <p:ph type="title"/>
+          </p:nvPr>
+        </p:nvSpPr>
+        <p:spPr>
+          <a:xfrm>
+            <a:off x="646111" y="452718"/>
+            <a:ext cx="9404723" cy="1400530"/>
+          </a:xfrm>
+        </p:spPr>
+        <p:txBody>
+          <a:bodyPr/>
+          <a:lstStyle/>
+          <a:p>
+            <a:r>
+              <a:rPr lang="en-GB" dirty="0"/>
+              <a:t>Admittance Control </a:t>
+            </a:r>
+          </a:p>
+        </p:txBody>
+      </p:sp>
+      <p:grpSp>
+        <p:nvGrpSpPr>
+          <p:cNvPr id="36" name="Group 35">
+            <a:extLst>
+              <a:ext uri="{FF2B5EF4-FFF2-40B4-BE49-F238E27FC236}">
+                <a16:creationId xmlns:a16="http://schemas.microsoft.com/office/drawing/2014/main" id="{68D17977-6AD5-471E-BA5C-6F02CE79BD74}"/>
+              </a:ext>
+            </a:extLst>
+          </p:cNvPr>
+          <p:cNvGrpSpPr/>
+          <p:nvPr/>
+        </p:nvGrpSpPr>
+        <p:grpSpPr>
+          <a:xfrm>
+            <a:off x="2286803" y="1853248"/>
+            <a:ext cx="7618394" cy="3762064"/>
+            <a:chOff x="2143713" y="1359873"/>
+            <a:chExt cx="7618394" cy="3762064"/>
+          </a:xfrm>
+        </p:grpSpPr>
+        <p:sp>
+          <p:nvSpPr>
+            <p:cNvPr id="7" name="Oval 6">
+              <a:extLst>
+                <a:ext uri="{FF2B5EF4-FFF2-40B4-BE49-F238E27FC236}">
+                  <a16:creationId xmlns:a16="http://schemas.microsoft.com/office/drawing/2014/main" id="{62E4D700-94D6-4FAF-A954-E08105439310}"/>
+                </a:ext>
+              </a:extLst>
+            </p:cNvPr>
+            <p:cNvSpPr/>
+            <p:nvPr/>
+          </p:nvSpPr>
+          <p:spPr>
+            <a:xfrm>
+              <a:off x="3683663" y="3461235"/>
+              <a:ext cx="569843" cy="596347"/>
+            </a:xfrm>
+            <a:prstGeom prst="ellipse">
+              <a:avLst/>
+            </a:prstGeom>
+            <a:ln w="28575"/>
+          </p:spPr>
+          <p:style>
+            <a:lnRef idx="2">
+              <a:schemeClr val="dk1"/>
+            </a:lnRef>
+            <a:fillRef idx="1">
+              <a:schemeClr val="lt1"/>
+            </a:fillRef>
+            <a:effectRef idx="0">
+              <a:schemeClr val="dk1"/>
+            </a:effectRef>
+            <a:fontRef idx="minor">
+              <a:schemeClr val="dk1"/>
+            </a:fontRef>
+          </p:style>
+          <p:txBody>
+            <a:bodyPr rtlCol="0" anchor="ctr"/>
+            <a:lstStyle/>
+            <a:p>
+              <a:pPr algn="ctr"/>
+              <a:endParaRPr lang="en-GB"/>
+            </a:p>
+          </p:txBody>
+        </p:sp>
+        <p:cxnSp>
+          <p:nvCxnSpPr>
+            <p:cNvPr id="8" name="Straight Connector 7">
+              <a:extLst>
+                <a:ext uri="{FF2B5EF4-FFF2-40B4-BE49-F238E27FC236}">
+                  <a16:creationId xmlns:a16="http://schemas.microsoft.com/office/drawing/2014/main" id="{32482B36-6B87-4393-8EB3-63D5BE8B4650}"/>
+                </a:ext>
+              </a:extLst>
+            </p:cNvPr>
+            <p:cNvCxnSpPr>
+              <a:stCxn id="7" idx="1"/>
+              <a:endCxn id="7" idx="5"/>
+            </p:cNvCxnSpPr>
+            <p:nvPr/>
+          </p:nvCxnSpPr>
+          <p:spPr>
+            <a:xfrm>
+              <a:off x="3767115" y="3548568"/>
+              <a:ext cx="402939" cy="421681"/>
+            </a:xfrm>
+            <a:prstGeom prst="line">
+              <a:avLst/>
+            </a:prstGeom>
+            <a:ln w="28575"/>
+          </p:spPr>
+          <p:style>
+            <a:lnRef idx="2">
+              <a:schemeClr val="dk1"/>
+            </a:lnRef>
+            <a:fillRef idx="1">
+              <a:schemeClr val="lt1"/>
+            </a:fillRef>
+            <a:effectRef idx="0">
+              <a:schemeClr val="dk1"/>
+            </a:effectRef>
+            <a:fontRef idx="minor">
+              <a:schemeClr val="dk1"/>
+            </a:fontRef>
+          </p:style>
+        </p:cxnSp>
+        <p:cxnSp>
+          <p:nvCxnSpPr>
+            <p:cNvPr id="9" name="Straight Connector 8">
+              <a:extLst>
+                <a:ext uri="{FF2B5EF4-FFF2-40B4-BE49-F238E27FC236}">
+                  <a16:creationId xmlns:a16="http://schemas.microsoft.com/office/drawing/2014/main" id="{D27A33E1-2523-48F2-9209-5CFCB0EF6AD6}"/>
+                </a:ext>
+              </a:extLst>
+            </p:cNvPr>
+            <p:cNvCxnSpPr>
+              <a:stCxn id="7" idx="3"/>
+              <a:endCxn id="7" idx="7"/>
+            </p:cNvCxnSpPr>
+            <p:nvPr/>
+          </p:nvCxnSpPr>
+          <p:spPr>
+            <a:xfrm flipV="1">
+              <a:off x="3767115" y="3548568"/>
+              <a:ext cx="402939" cy="421681"/>
+            </a:xfrm>
+            <a:prstGeom prst="line">
+              <a:avLst/>
+            </a:prstGeom>
+            <a:ln w="28575">
+              <a:solidFill>
+                <a:schemeClr val="bg1"/>
+              </a:solidFill>
+            </a:ln>
+          </p:spPr>
+          <p:style>
+            <a:lnRef idx="2">
+              <a:schemeClr val="dk1"/>
+            </a:lnRef>
+            <a:fillRef idx="1">
+              <a:schemeClr val="lt1"/>
+            </a:fillRef>
+            <a:effectRef idx="0">
+              <a:schemeClr val="dk1"/>
+            </a:effectRef>
+            <a:fontRef idx="minor">
+              <a:schemeClr val="dk1"/>
+            </a:fontRef>
+          </p:style>
+        </p:cxnSp>
+        <p:sp>
+          <p:nvSpPr>
+            <p:cNvPr id="10" name="TextBox 9">
+              <a:extLst>
+                <a:ext uri="{FF2B5EF4-FFF2-40B4-BE49-F238E27FC236}">
+                  <a16:creationId xmlns:a16="http://schemas.microsoft.com/office/drawing/2014/main" id="{73C87841-2764-4F1F-B7D0-B3E273329EEF}"/>
+                </a:ext>
+              </a:extLst>
+            </p:cNvPr>
+            <p:cNvSpPr txBox="1"/>
+            <p:nvPr/>
+          </p:nvSpPr>
+          <p:spPr>
+            <a:xfrm>
+              <a:off x="3820678" y="3403874"/>
+              <a:ext cx="324128" cy="369332"/>
+            </a:xfrm>
+            <a:prstGeom prst="rect">
+              <a:avLst/>
+            </a:prstGeom>
+            <a:noFill/>
+          </p:spPr>
+          <p:txBody>
+            <a:bodyPr wrap="square" rtlCol="0">
+              <a:spAutoFit/>
+            </a:bodyPr>
+            <a:lstStyle/>
+            <a:p>
+              <a:r>
+                <a:rPr lang="en-GB" dirty="0">
+                  <a:solidFill>
+                    <a:schemeClr val="bg1"/>
+                  </a:solidFill>
+                </a:rPr>
+                <a:t>+</a:t>
+              </a:r>
+            </a:p>
+          </p:txBody>
+        </p:sp>
+        <p:sp>
+          <p:nvSpPr>
+            <p:cNvPr id="11" name="TextBox 10">
+              <a:extLst>
+                <a:ext uri="{FF2B5EF4-FFF2-40B4-BE49-F238E27FC236}">
+                  <a16:creationId xmlns:a16="http://schemas.microsoft.com/office/drawing/2014/main" id="{943B1C72-C923-46B2-8BAB-058E1C66BC2C}"/>
+                </a:ext>
+              </a:extLst>
+            </p:cNvPr>
+            <p:cNvSpPr txBox="1"/>
+            <p:nvPr/>
+          </p:nvSpPr>
+          <p:spPr>
+            <a:xfrm>
+              <a:off x="3636585" y="3568774"/>
+              <a:ext cx="324128" cy="369332"/>
+            </a:xfrm>
+            <a:prstGeom prst="rect">
+              <a:avLst/>
+            </a:prstGeom>
+            <a:noFill/>
+          </p:spPr>
+          <p:txBody>
+            <a:bodyPr wrap="none" rtlCol="0">
+              <a:spAutoFit/>
+            </a:bodyPr>
+            <a:lstStyle/>
+            <a:p>
+              <a:r>
+                <a:rPr lang="en-GB" dirty="0">
+                  <a:solidFill>
+                    <a:schemeClr val="bg1"/>
+                  </a:solidFill>
+                </a:rPr>
+                <a:t>+</a:t>
+              </a:r>
+            </a:p>
+          </p:txBody>
+        </p:sp>
+        <p:sp>
+          <p:nvSpPr>
+            <p:cNvPr id="12" name="TextBox 11">
+              <a:extLst>
+                <a:ext uri="{FF2B5EF4-FFF2-40B4-BE49-F238E27FC236}">
+                  <a16:creationId xmlns:a16="http://schemas.microsoft.com/office/drawing/2014/main" id="{0BE24537-83BD-45A4-AF9B-6A5192FB995E}"/>
+                </a:ext>
+              </a:extLst>
+            </p:cNvPr>
+            <p:cNvSpPr txBox="1"/>
+            <p:nvPr/>
+          </p:nvSpPr>
+          <p:spPr>
+            <a:xfrm>
+              <a:off x="3854203" y="3747988"/>
+              <a:ext cx="261610" cy="369332"/>
+            </a:xfrm>
+            <a:prstGeom prst="rect">
+              <a:avLst/>
+            </a:prstGeom>
+            <a:noFill/>
+          </p:spPr>
+          <p:txBody>
+            <a:bodyPr wrap="none" rtlCol="0">
+              <a:spAutoFit/>
+            </a:bodyPr>
+            <a:lstStyle/>
+            <a:p>
+              <a:r>
+                <a:rPr lang="en-GB" dirty="0">
+                  <a:solidFill>
+                    <a:schemeClr val="bg1"/>
+                  </a:solidFill>
+                </a:rPr>
+                <a:t>-</a:t>
+              </a:r>
+            </a:p>
+          </p:txBody>
+        </p:sp>
+        <p:cxnSp>
+          <p:nvCxnSpPr>
+            <p:cNvPr id="13" name="Straight Arrow Connector 12">
+              <a:extLst>
+                <a:ext uri="{FF2B5EF4-FFF2-40B4-BE49-F238E27FC236}">
+                  <a16:creationId xmlns:a16="http://schemas.microsoft.com/office/drawing/2014/main" id="{012F63D9-D794-40DF-AF03-57C9506EE49E}"/>
+                </a:ext>
+              </a:extLst>
+            </p:cNvPr>
+            <p:cNvCxnSpPr>
+              <a:cxnSpLocks/>
+            </p:cNvCxnSpPr>
+            <p:nvPr/>
+          </p:nvCxnSpPr>
+          <p:spPr>
+            <a:xfrm>
+              <a:off x="3052298" y="3753440"/>
+              <a:ext cx="631365" cy="0"/>
+            </a:xfrm>
+            <a:prstGeom prst="straightConnector1">
+              <a:avLst/>
+            </a:prstGeom>
+            <a:ln w="38100">
+              <a:solidFill>
+                <a:schemeClr val="bg1"/>
+              </a:solidFill>
+              <a:tailEnd type="triangle"/>
+            </a:ln>
+          </p:spPr>
+          <p:style>
+            <a:lnRef idx="1">
+              <a:schemeClr val="accent1"/>
+            </a:lnRef>
+            <a:fillRef idx="0">
+              <a:schemeClr val="accent1"/>
+            </a:fillRef>
+            <a:effectRef idx="0">
+              <a:schemeClr val="accent1"/>
+            </a:effectRef>
+            <a:fontRef idx="minor">
+              <a:schemeClr val="tx1"/>
+            </a:fontRef>
+          </p:style>
+        </p:cxnSp>
+        <p:sp>
+          <p:nvSpPr>
+            <p:cNvPr id="14" name="TextBox 13">
+              <a:extLst>
+                <a:ext uri="{FF2B5EF4-FFF2-40B4-BE49-F238E27FC236}">
+                  <a16:creationId xmlns:a16="http://schemas.microsoft.com/office/drawing/2014/main" id="{B36B1EEE-0C07-43A7-AB20-B1C0AB966243}"/>
+                </a:ext>
+              </a:extLst>
+            </p:cNvPr>
+            <p:cNvSpPr txBox="1"/>
+            <p:nvPr/>
+          </p:nvSpPr>
+          <p:spPr>
+            <a:xfrm>
+              <a:off x="2143713" y="3286323"/>
+              <a:ext cx="936667" cy="923330"/>
+            </a:xfrm>
+            <a:prstGeom prst="rect">
+              <a:avLst/>
+            </a:prstGeom>
+            <a:noFill/>
+          </p:spPr>
+          <p:txBody>
+            <a:bodyPr wrap="none" rtlCol="0">
+              <a:spAutoFit/>
+            </a:bodyPr>
+            <a:lstStyle/>
+            <a:p>
+              <a:pPr algn="ctr"/>
+              <a:r>
+                <a:rPr lang="en-GB" dirty="0"/>
+                <a:t>Desired</a:t>
+              </a:r>
+            </a:p>
+            <a:p>
+              <a:pPr algn="ctr"/>
+              <a:r>
+                <a:rPr lang="en-GB" dirty="0"/>
+                <a:t>Position</a:t>
+              </a:r>
+            </a:p>
+            <a:p>
+              <a:pPr algn="ctr"/>
+              <a:r>
+                <a:rPr lang="en-GB" dirty="0"/>
+                <a:t>(P</a:t>
+              </a:r>
+              <a:r>
+                <a:rPr lang="en-GB" baseline="-25000" dirty="0"/>
+                <a:t>T</a:t>
+              </a:r>
+              <a:r>
+                <a:rPr lang="en-GB" dirty="0"/>
+                <a:t>)</a:t>
+              </a:r>
+            </a:p>
+          </p:txBody>
+        </p:sp>
+        <p:grpSp>
+          <p:nvGrpSpPr>
+            <p:cNvPr id="15" name="Group 14">
+              <a:extLst>
+                <a:ext uri="{FF2B5EF4-FFF2-40B4-BE49-F238E27FC236}">
+                  <a16:creationId xmlns:a16="http://schemas.microsoft.com/office/drawing/2014/main" id="{998C9F5D-54F4-4F62-927B-CA493D5C6D7F}"/>
+                </a:ext>
+              </a:extLst>
+            </p:cNvPr>
+            <p:cNvGrpSpPr/>
+            <p:nvPr/>
+          </p:nvGrpSpPr>
+          <p:grpSpPr>
+            <a:xfrm>
+              <a:off x="4261543" y="3296240"/>
+              <a:ext cx="2899996" cy="914400"/>
+              <a:chOff x="3202359" y="795131"/>
+              <a:chExt cx="2899996" cy="914400"/>
+            </a:xfrm>
+          </p:grpSpPr>
+          <p:cxnSp>
+            <p:nvCxnSpPr>
+              <p:cNvPr id="16" name="Straight Arrow Connector 15">
+                <a:extLst>
+                  <a:ext uri="{FF2B5EF4-FFF2-40B4-BE49-F238E27FC236}">
+                    <a16:creationId xmlns:a16="http://schemas.microsoft.com/office/drawing/2014/main" id="{91956C53-FF66-4BE8-90A5-E16110935F48}"/>
+                  </a:ext>
+                </a:extLst>
+              </p:cNvPr>
+              <p:cNvCxnSpPr>
+                <a:cxnSpLocks/>
+              </p:cNvCxnSpPr>
+              <p:nvPr/>
+            </p:nvCxnSpPr>
+            <p:spPr>
+              <a:xfrm>
+                <a:off x="3202359" y="1246879"/>
+                <a:ext cx="1112360" cy="0"/>
+              </a:xfrm>
+              <a:prstGeom prst="straightConnector1">
+                <a:avLst/>
+              </a:prstGeom>
+              <a:ln w="38100">
+                <a:solidFill>
+                  <a:schemeClr val="bg1"/>
+                </a:solidFill>
+                <a:tailEnd type="triangle"/>
+              </a:ln>
+            </p:spPr>
+            <p:style>
+              <a:lnRef idx="1">
+                <a:schemeClr val="dk1"/>
+              </a:lnRef>
+              <a:fillRef idx="0">
+                <a:schemeClr val="dk1"/>
+              </a:fillRef>
+              <a:effectRef idx="0">
+                <a:schemeClr val="dk1"/>
+              </a:effectRef>
+              <a:fontRef idx="minor">
+                <a:schemeClr val="tx1"/>
+              </a:fontRef>
+            </p:style>
+          </p:cxnSp>
+          <p:sp>
+            <p:nvSpPr>
+              <p:cNvPr id="17" name="Rectangle 16">
+                <a:extLst>
+                  <a:ext uri="{FF2B5EF4-FFF2-40B4-BE49-F238E27FC236}">
+                    <a16:creationId xmlns:a16="http://schemas.microsoft.com/office/drawing/2014/main" id="{0560F33F-B2C2-4238-9D47-43FDBD30103A}"/>
+                  </a:ext>
+                </a:extLst>
+              </p:cNvPr>
+              <p:cNvSpPr/>
+              <p:nvPr/>
+            </p:nvSpPr>
+            <p:spPr>
+              <a:xfrm>
+                <a:off x="4322757" y="795131"/>
+                <a:ext cx="1388934" cy="914400"/>
+              </a:xfrm>
+              <a:prstGeom prst="rect">
+                <a:avLst/>
+              </a:prstGeom>
+              <a:ln w="28575"/>
+            </p:spPr>
+            <p:style>
+              <a:lnRef idx="2">
+                <a:schemeClr val="dk1"/>
+              </a:lnRef>
+              <a:fillRef idx="1">
+                <a:schemeClr val="lt1"/>
+              </a:fillRef>
+              <a:effectRef idx="0">
+                <a:schemeClr val="dk1"/>
+              </a:effectRef>
+              <a:fontRef idx="minor">
+                <a:schemeClr val="dk1"/>
+              </a:fontRef>
+            </p:style>
+            <p:txBody>
+              <a:bodyPr rtlCol="0" anchor="ctr"/>
+              <a:lstStyle/>
+              <a:p>
+                <a:pPr algn="ctr"/>
+                <a:r>
+                  <a:rPr lang="en-GB" dirty="0"/>
+                  <a:t>Position</a:t>
+                </a:r>
+              </a:p>
+              <a:p>
+                <a:pPr algn="ctr"/>
+                <a:r>
+                  <a:rPr lang="en-GB" dirty="0"/>
+                  <a:t>Controller</a:t>
+                </a:r>
+              </a:p>
+            </p:txBody>
+          </p:sp>
+          <p:cxnSp>
+            <p:nvCxnSpPr>
+              <p:cNvPr id="18" name="Straight Arrow Connector 17">
+                <a:extLst>
+                  <a:ext uri="{FF2B5EF4-FFF2-40B4-BE49-F238E27FC236}">
+                    <a16:creationId xmlns:a16="http://schemas.microsoft.com/office/drawing/2014/main" id="{0CD970B1-DB25-4839-826B-6B1FA6297150}"/>
+                  </a:ext>
+                </a:extLst>
+              </p:cNvPr>
+              <p:cNvCxnSpPr>
+                <a:cxnSpLocks/>
+                <a:stCxn id="17" idx="3"/>
+                <a:endCxn id="19" idx="1"/>
+              </p:cNvCxnSpPr>
+              <p:nvPr/>
+            </p:nvCxnSpPr>
+            <p:spPr>
+              <a:xfrm>
+                <a:off x="5711691" y="1252331"/>
+                <a:ext cx="390664" cy="4177"/>
+              </a:xfrm>
+              <a:prstGeom prst="straightConnector1">
+                <a:avLst/>
+              </a:prstGeom>
+              <a:ln w="38100">
+                <a:solidFill>
+                  <a:schemeClr val="bg1"/>
+                </a:solidFill>
+                <a:tailEnd type="triangle"/>
+              </a:ln>
+            </p:spPr>
+            <p:style>
+              <a:lnRef idx="3">
+                <a:schemeClr val="dk1"/>
+              </a:lnRef>
+              <a:fillRef idx="0">
+                <a:schemeClr val="dk1"/>
+              </a:fillRef>
+              <a:effectRef idx="2">
+                <a:schemeClr val="dk1"/>
+              </a:effectRef>
+              <a:fontRef idx="minor">
+                <a:schemeClr val="tx1"/>
+              </a:fontRef>
+            </p:style>
+          </p:cxnSp>
+        </p:grpSp>
+        <p:sp>
+          <p:nvSpPr>
+            <p:cNvPr id="19" name="Rectangle 18">
+              <a:extLst>
+                <a:ext uri="{FF2B5EF4-FFF2-40B4-BE49-F238E27FC236}">
+                  <a16:creationId xmlns:a16="http://schemas.microsoft.com/office/drawing/2014/main" id="{49730A57-A15B-422B-8AF9-97A90387C946}"/>
+                </a:ext>
+              </a:extLst>
+            </p:cNvPr>
+            <p:cNvSpPr/>
+            <p:nvPr/>
+          </p:nvSpPr>
+          <p:spPr>
+            <a:xfrm>
+              <a:off x="7161539" y="3300417"/>
+              <a:ext cx="1232453" cy="914400"/>
+            </a:xfrm>
+            <a:prstGeom prst="rect">
+              <a:avLst/>
+            </a:prstGeom>
+            <a:ln w="28575"/>
+          </p:spPr>
+          <p:style>
+            <a:lnRef idx="2">
+              <a:schemeClr val="dk1"/>
+            </a:lnRef>
+            <a:fillRef idx="1">
+              <a:schemeClr val="lt1"/>
+            </a:fillRef>
+            <a:effectRef idx="0">
+              <a:schemeClr val="dk1"/>
+            </a:effectRef>
+            <a:fontRef idx="minor">
+              <a:schemeClr val="dk1"/>
+            </a:fontRef>
+          </p:style>
+          <p:txBody>
+            <a:bodyPr rtlCol="0" anchor="ctr"/>
+            <a:lstStyle/>
+            <a:p>
+              <a:pPr algn="ctr"/>
+              <a:r>
+                <a:rPr lang="en-GB" dirty="0"/>
+                <a:t>Plant</a:t>
+              </a:r>
+            </a:p>
+          </p:txBody>
+        </p:sp>
+        <mc:AlternateContent xmlns:mc="http://schemas.openxmlformats.org/markup-compatibility/2006">
+          <mc:Choice xmlns:a14="http://schemas.microsoft.com/office/drawing/2010/main" Requires="a14">
+            <p:sp>
+              <p:nvSpPr>
+                <p:cNvPr id="20" name="Rectangle 19">
+                  <a:extLst>
+                    <a:ext uri="{FF2B5EF4-FFF2-40B4-BE49-F238E27FC236}">
+                      <a16:creationId xmlns:a16="http://schemas.microsoft.com/office/drawing/2014/main" id="{D0EE50D7-CEA3-4C35-972A-504A1468C751}"/>
+                    </a:ext>
+                  </a:extLst>
+                </p:cNvPr>
+                <p:cNvSpPr/>
+                <p:nvPr/>
+              </p:nvSpPr>
+              <p:spPr>
+                <a:xfrm>
+                  <a:off x="6096000" y="1721962"/>
+                  <a:ext cx="1776779" cy="914400"/>
+                </a:xfrm>
+                <a:prstGeom prst="rect">
+                  <a:avLst/>
+                </a:prstGeom>
+                <a:ln w="28575">
+                  <a:solidFill>
+                    <a:schemeClr val="bg1"/>
+                  </a:solidFill>
+                </a:ln>
+              </p:spPr>
+              <p:style>
+                <a:lnRef idx="2">
+                  <a:schemeClr val="dk1"/>
+                </a:lnRef>
+                <a:fillRef idx="1">
+                  <a:schemeClr val="lt1"/>
+                </a:fillRef>
+                <a:effectRef idx="0">
+                  <a:schemeClr val="dk1"/>
+                </a:effectRef>
+                <a:fontRef idx="minor">
+                  <a:schemeClr val="dk1"/>
+                </a:fontRef>
+              </p:style>
+              <p:txBody>
+                <a:bodyPr rtlCol="0" anchor="ctr"/>
+                <a:lstStyle/>
+                <a:p>
+                  <a:pPr algn="ctr"/>
+                  <a14:m>
+                    <m:oMathPara xmlns:m="http://schemas.openxmlformats.org/officeDocument/2006/math">
+                      <m:oMathParaPr>
+                        <m:jc m:val="centerGroup"/>
+                      </m:oMathParaPr>
+                      <m:oMath xmlns:m="http://schemas.openxmlformats.org/officeDocument/2006/math">
+                        <m:f>
+                          <m:fPr>
+                            <m:ctrlPr>
+                              <a:rPr lang="en-GB" i="1" dirty="0" smtClean="0">
+                                <a:latin typeface="Cambria Math" panose="02040503050406030204" pitchFamily="18" charset="0"/>
+                              </a:rPr>
+                            </m:ctrlPr>
+                          </m:fPr>
+                          <m:num>
+                            <m:r>
+                              <a:rPr lang="en-GB" b="0" i="1" dirty="0" smtClean="0">
+                                <a:latin typeface="Cambria Math" panose="02040503050406030204" pitchFamily="18" charset="0"/>
+                              </a:rPr>
+                              <m:t>1</m:t>
+                            </m:r>
+                          </m:num>
+                          <m:den>
+                            <m:sSup>
+                              <m:sSupPr>
+                                <m:ctrlPr>
+                                  <a:rPr lang="en-GB" i="1" dirty="0" smtClean="0">
+                                    <a:latin typeface="Cambria Math" panose="02040503050406030204" pitchFamily="18" charset="0"/>
+                                  </a:rPr>
+                                </m:ctrlPr>
+                              </m:sSupPr>
+                              <m:e>
+                                <m:r>
+                                  <a:rPr lang="en-GB" b="0" i="1" dirty="0" smtClean="0">
+                                    <a:latin typeface="Cambria Math" panose="02040503050406030204" pitchFamily="18" charset="0"/>
+                                  </a:rPr>
+                                  <m:t>𝑚𝑠</m:t>
+                                </m:r>
+                              </m:e>
+                              <m:sup>
+                                <m:r>
+                                  <a:rPr lang="en-GB" b="0" i="1" dirty="0" smtClean="0">
+                                    <a:latin typeface="Cambria Math" panose="02040503050406030204" pitchFamily="18" charset="0"/>
+                                  </a:rPr>
+                                  <m:t>2</m:t>
+                                </m:r>
+                              </m:sup>
+                            </m:sSup>
+                            <m:r>
+                              <a:rPr lang="en-GB" b="0" i="1" dirty="0" smtClean="0">
+                                <a:latin typeface="Cambria Math" panose="02040503050406030204" pitchFamily="18" charset="0"/>
+                              </a:rPr>
+                              <m:t>+</m:t>
+                            </m:r>
+                            <m:r>
+                              <a:rPr lang="en-GB" b="0" i="1" dirty="0" smtClean="0">
+                                <a:latin typeface="Cambria Math" panose="02040503050406030204" pitchFamily="18" charset="0"/>
+                              </a:rPr>
+                              <m:t>𝑐𝑠</m:t>
+                            </m:r>
+                            <m:r>
+                              <a:rPr lang="en-GB" b="0" i="1" dirty="0" smtClean="0">
+                                <a:latin typeface="Cambria Math" panose="02040503050406030204" pitchFamily="18" charset="0"/>
+                              </a:rPr>
+                              <m:t>+</m:t>
+                            </m:r>
+                            <m:r>
+                              <a:rPr lang="en-GB" b="0" i="1" dirty="0" smtClean="0">
+                                <a:latin typeface="Cambria Math" panose="02040503050406030204" pitchFamily="18" charset="0"/>
+                              </a:rPr>
+                              <m:t>𝑘</m:t>
+                            </m:r>
+                          </m:den>
+                        </m:f>
+                      </m:oMath>
+                    </m:oMathPara>
+                  </a14:m>
+                  <a:endParaRPr lang="en-GB" dirty="0"/>
+                </a:p>
+              </p:txBody>
+            </p:sp>
+          </mc:Choice>
+          <mc:Fallback>
+            <p:sp>
+              <p:nvSpPr>
+                <p:cNvPr id="20" name="Rectangle 19">
+                  <a:extLst>
+                    <a:ext uri="{FF2B5EF4-FFF2-40B4-BE49-F238E27FC236}">
+                      <a16:creationId xmlns:a16="http://schemas.microsoft.com/office/drawing/2014/main" id="{D0EE50D7-CEA3-4C35-972A-504A1468C751}"/>
+                    </a:ext>
+                  </a:extLst>
+                </p:cNvPr>
+                <p:cNvSpPr>
+                  <a:spLocks noRot="1" noChangeAspect="1" noMove="1" noResize="1" noEditPoints="1" noAdjustHandles="1" noChangeArrowheads="1" noChangeShapeType="1" noTextEdit="1"/>
+                </p:cNvSpPr>
+                <p:nvPr/>
+              </p:nvSpPr>
+              <p:spPr>
+                <a:xfrm>
+                  <a:off x="6096000" y="1721962"/>
+                  <a:ext cx="1776779" cy="914400"/>
+                </a:xfrm>
+                <a:prstGeom prst="rect">
+                  <a:avLst/>
+                </a:prstGeom>
+                <a:blipFill>
+                  <a:blip r:embed="rId3"/>
+                  <a:stretch>
+                    <a:fillRect/>
+                  </a:stretch>
+                </a:blipFill>
+                <a:ln w="28575">
+                  <a:solidFill>
+                    <a:schemeClr val="bg1"/>
+                  </a:solidFill>
+                </a:ln>
+              </p:spPr>
+              <p:txBody>
+                <a:bodyPr/>
+                <a:lstStyle/>
+                <a:p>
+                  <a:r>
+                    <a:rPr lang="en-GB">
+                      <a:noFill/>
+                    </a:rPr>
+                    <a:t> </a:t>
+                  </a:r>
+                </a:p>
+              </p:txBody>
+            </p:sp>
+          </mc:Fallback>
+        </mc:AlternateContent>
+        <p:cxnSp>
+          <p:nvCxnSpPr>
+            <p:cNvPr id="21" name="Straight Arrow Connector 20">
+              <a:extLst>
+                <a:ext uri="{FF2B5EF4-FFF2-40B4-BE49-F238E27FC236}">
+                  <a16:creationId xmlns:a16="http://schemas.microsoft.com/office/drawing/2014/main" id="{09912EFD-DC3C-4809-A021-551D3078C1AB}"/>
+                </a:ext>
+              </a:extLst>
+            </p:cNvPr>
+            <p:cNvCxnSpPr>
+              <a:cxnSpLocks/>
+              <a:endCxn id="20" idx="3"/>
+            </p:cNvCxnSpPr>
+            <p:nvPr/>
+          </p:nvCxnSpPr>
+          <p:spPr>
+            <a:xfrm flipH="1">
+              <a:off x="7872779" y="2179162"/>
+              <a:ext cx="1443500" cy="0"/>
+            </a:xfrm>
+            <a:prstGeom prst="straightConnector1">
+              <a:avLst/>
+            </a:prstGeom>
+            <a:ln w="38100">
+              <a:solidFill>
+                <a:schemeClr val="bg1"/>
+              </a:solidFill>
+              <a:tailEnd type="triangle"/>
+            </a:ln>
+          </p:spPr>
+          <p:style>
+            <a:lnRef idx="1">
+              <a:schemeClr val="accent1"/>
+            </a:lnRef>
+            <a:fillRef idx="0">
+              <a:schemeClr val="accent1"/>
+            </a:fillRef>
+            <a:effectRef idx="0">
+              <a:schemeClr val="accent1"/>
+            </a:effectRef>
+            <a:fontRef idx="minor">
+              <a:schemeClr val="tx1"/>
+            </a:fontRef>
+          </p:style>
+        </p:cxnSp>
+        <p:sp>
+          <p:nvSpPr>
+            <p:cNvPr id="22" name="TextBox 21">
+              <a:extLst>
+                <a:ext uri="{FF2B5EF4-FFF2-40B4-BE49-F238E27FC236}">
+                  <a16:creationId xmlns:a16="http://schemas.microsoft.com/office/drawing/2014/main" id="{578EEB7E-06B6-43FC-9DD3-21AC8FEDE7B4}"/>
+                </a:ext>
+              </a:extLst>
+            </p:cNvPr>
+            <p:cNvSpPr txBox="1"/>
+            <p:nvPr/>
+          </p:nvSpPr>
+          <p:spPr>
+            <a:xfrm>
+              <a:off x="9281334" y="2686744"/>
+              <a:ext cx="480773" cy="369332"/>
+            </a:xfrm>
+            <a:prstGeom prst="rect">
+              <a:avLst/>
+            </a:prstGeom>
+            <a:noFill/>
+            <a:ln>
+              <a:noFill/>
+            </a:ln>
+          </p:spPr>
+          <p:txBody>
+            <a:bodyPr wrap="none" rtlCol="0">
+              <a:spAutoFit/>
+            </a:bodyPr>
+            <a:lstStyle/>
+            <a:p>
+              <a:r>
+                <a:rPr lang="en-GB" dirty="0"/>
+                <a:t>F</a:t>
+              </a:r>
+              <a:r>
+                <a:rPr lang="en-GB" baseline="-25000" dirty="0"/>
+                <a:t>ext</a:t>
+              </a:r>
+            </a:p>
+          </p:txBody>
+        </p:sp>
+        <p:cxnSp>
+          <p:nvCxnSpPr>
+            <p:cNvPr id="23" name="Straight Arrow Connector 22">
+              <a:extLst>
+                <a:ext uri="{FF2B5EF4-FFF2-40B4-BE49-F238E27FC236}">
+                  <a16:creationId xmlns:a16="http://schemas.microsoft.com/office/drawing/2014/main" id="{E7795A42-37AA-4FDF-A2B3-89593AD6289E}"/>
+                </a:ext>
+              </a:extLst>
+            </p:cNvPr>
+            <p:cNvCxnSpPr>
+              <a:cxnSpLocks/>
+            </p:cNvCxnSpPr>
+            <p:nvPr/>
+          </p:nvCxnSpPr>
+          <p:spPr>
+            <a:xfrm>
+              <a:off x="3963523" y="2179161"/>
+              <a:ext cx="5835" cy="1278504"/>
+            </a:xfrm>
+            <a:prstGeom prst="straightConnector1">
+              <a:avLst/>
+            </a:prstGeom>
+            <a:ln w="38100">
+              <a:solidFill>
+                <a:schemeClr val="bg1"/>
+              </a:solidFill>
+              <a:tailEnd type="triangle"/>
+            </a:ln>
+          </p:spPr>
+          <p:style>
+            <a:lnRef idx="1">
+              <a:schemeClr val="accent1"/>
+            </a:lnRef>
+            <a:fillRef idx="0">
+              <a:schemeClr val="accent1"/>
+            </a:fillRef>
+            <a:effectRef idx="0">
+              <a:schemeClr val="accent1"/>
+            </a:effectRef>
+            <a:fontRef idx="minor">
+              <a:schemeClr val="tx1"/>
+            </a:fontRef>
+          </p:style>
+        </p:cxnSp>
+        <p:sp>
+          <p:nvSpPr>
+            <p:cNvPr id="24" name="TextBox 23">
+              <a:extLst>
+                <a:ext uri="{FF2B5EF4-FFF2-40B4-BE49-F238E27FC236}">
+                  <a16:creationId xmlns:a16="http://schemas.microsoft.com/office/drawing/2014/main" id="{E7271621-49E8-4A6A-B7B6-31BCA43CBFC5}"/>
+                </a:ext>
+              </a:extLst>
+            </p:cNvPr>
+            <p:cNvSpPr txBox="1"/>
+            <p:nvPr/>
+          </p:nvSpPr>
+          <p:spPr>
+            <a:xfrm>
+              <a:off x="5974818" y="1359873"/>
+              <a:ext cx="1769459" cy="369332"/>
+            </a:xfrm>
+            <a:prstGeom prst="rect">
+              <a:avLst/>
+            </a:prstGeom>
+            <a:noFill/>
+          </p:spPr>
+          <p:txBody>
+            <a:bodyPr wrap="none" rtlCol="0">
+              <a:spAutoFit/>
+            </a:bodyPr>
+            <a:lstStyle/>
+            <a:p>
+              <a:r>
+                <a:rPr lang="en-GB" dirty="0"/>
+                <a:t>Admittance filter</a:t>
+              </a:r>
+            </a:p>
+          </p:txBody>
+        </p:sp>
+        <p:cxnSp>
+          <p:nvCxnSpPr>
+            <p:cNvPr id="25" name="Straight Arrow Connector 24">
+              <a:extLst>
+                <a:ext uri="{FF2B5EF4-FFF2-40B4-BE49-F238E27FC236}">
+                  <a16:creationId xmlns:a16="http://schemas.microsoft.com/office/drawing/2014/main" id="{836389AB-D3A3-43BC-B275-FCC6C32927B8}"/>
+                </a:ext>
+              </a:extLst>
+            </p:cNvPr>
+            <p:cNvCxnSpPr>
+              <a:stCxn id="19" idx="3"/>
+            </p:cNvCxnSpPr>
+            <p:nvPr/>
+          </p:nvCxnSpPr>
+          <p:spPr>
+            <a:xfrm>
+              <a:off x="8393992" y="3757617"/>
+              <a:ext cx="1247238" cy="0"/>
+            </a:xfrm>
+            <a:prstGeom prst="straightConnector1">
+              <a:avLst/>
+            </a:prstGeom>
+            <a:ln w="38100">
+              <a:solidFill>
+                <a:schemeClr val="bg1"/>
+              </a:solidFill>
+              <a:tailEnd type="triangle"/>
+            </a:ln>
+          </p:spPr>
+          <p:style>
+            <a:lnRef idx="1">
+              <a:schemeClr val="accent1"/>
+            </a:lnRef>
+            <a:fillRef idx="0">
+              <a:schemeClr val="accent1"/>
+            </a:fillRef>
+            <a:effectRef idx="0">
+              <a:schemeClr val="accent1"/>
+            </a:effectRef>
+            <a:fontRef idx="minor">
+              <a:schemeClr val="tx1"/>
+            </a:fontRef>
+          </p:style>
+        </p:cxnSp>
+        <p:sp>
+          <p:nvSpPr>
+            <p:cNvPr id="26" name="TextBox 25">
+              <a:extLst>
+                <a:ext uri="{FF2B5EF4-FFF2-40B4-BE49-F238E27FC236}">
+                  <a16:creationId xmlns:a16="http://schemas.microsoft.com/office/drawing/2014/main" id="{8DFDDCDB-5FC7-44CC-9DA2-E414E858D82B}"/>
+                </a:ext>
+              </a:extLst>
+            </p:cNvPr>
+            <p:cNvSpPr txBox="1"/>
+            <p:nvPr/>
+          </p:nvSpPr>
+          <p:spPr>
+            <a:xfrm>
+              <a:off x="5974818" y="4752605"/>
+              <a:ext cx="2019142" cy="369332"/>
+            </a:xfrm>
+            <a:prstGeom prst="rect">
+              <a:avLst/>
+            </a:prstGeom>
+            <a:noFill/>
+          </p:spPr>
+          <p:txBody>
+            <a:bodyPr wrap="none" rtlCol="0">
+              <a:spAutoFit/>
+            </a:bodyPr>
+            <a:lstStyle/>
+            <a:p>
+              <a:r>
+                <a:rPr lang="en-GB" dirty="0"/>
+                <a:t>Actual position (P</a:t>
+              </a:r>
+              <a:r>
+                <a:rPr lang="en-GB" baseline="-25000" dirty="0"/>
+                <a:t>A</a:t>
+              </a:r>
+              <a:r>
+                <a:rPr lang="en-GB" dirty="0"/>
+                <a:t>)</a:t>
+              </a:r>
+            </a:p>
+          </p:txBody>
+        </p:sp>
+        <p:cxnSp>
+          <p:nvCxnSpPr>
+            <p:cNvPr id="27" name="Straight Arrow Connector 26">
+              <a:extLst>
+                <a:ext uri="{FF2B5EF4-FFF2-40B4-BE49-F238E27FC236}">
+                  <a16:creationId xmlns:a16="http://schemas.microsoft.com/office/drawing/2014/main" id="{B61FB6DF-968B-44EC-AF40-904A5F1EAAC0}"/>
+                </a:ext>
+              </a:extLst>
+            </p:cNvPr>
+            <p:cNvCxnSpPr>
+              <a:cxnSpLocks/>
+              <a:endCxn id="7" idx="4"/>
+            </p:cNvCxnSpPr>
+            <p:nvPr/>
+          </p:nvCxnSpPr>
+          <p:spPr>
+            <a:xfrm flipV="1">
+              <a:off x="3968584" y="4057582"/>
+              <a:ext cx="1" cy="633688"/>
+            </a:xfrm>
+            <a:prstGeom prst="straightConnector1">
+              <a:avLst/>
+            </a:prstGeom>
+            <a:ln w="38100">
+              <a:solidFill>
+                <a:schemeClr val="bg1"/>
+              </a:solidFill>
+              <a:tailEnd type="triangle"/>
+            </a:ln>
+          </p:spPr>
+          <p:style>
+            <a:lnRef idx="1">
+              <a:schemeClr val="accent1"/>
+            </a:lnRef>
+            <a:fillRef idx="0">
+              <a:schemeClr val="accent1"/>
+            </a:fillRef>
+            <a:effectRef idx="0">
+              <a:schemeClr val="accent1"/>
+            </a:effectRef>
+            <a:fontRef idx="minor">
+              <a:schemeClr val="tx1"/>
+            </a:fontRef>
+          </p:style>
+        </p:cxnSp>
+        <p:sp>
+          <p:nvSpPr>
+            <p:cNvPr id="28" name="TextBox 27">
+              <a:extLst>
+                <a:ext uri="{FF2B5EF4-FFF2-40B4-BE49-F238E27FC236}">
+                  <a16:creationId xmlns:a16="http://schemas.microsoft.com/office/drawing/2014/main" id="{4E654C43-D4FA-4F19-B05D-0A9404D16C53}"/>
+                </a:ext>
+              </a:extLst>
+            </p:cNvPr>
+            <p:cNvSpPr txBox="1"/>
+            <p:nvPr/>
+          </p:nvSpPr>
+          <p:spPr>
+            <a:xfrm>
+              <a:off x="4298394" y="2832198"/>
+              <a:ext cx="981359" cy="923330"/>
+            </a:xfrm>
+            <a:prstGeom prst="rect">
+              <a:avLst/>
+            </a:prstGeom>
+            <a:noFill/>
+          </p:spPr>
+          <p:txBody>
+            <a:bodyPr wrap="none" rtlCol="0">
+              <a:spAutoFit/>
+            </a:bodyPr>
+            <a:lstStyle/>
+            <a:p>
+              <a:pPr algn="ctr"/>
+              <a:r>
+                <a:rPr lang="en-GB" dirty="0"/>
+                <a:t>Position</a:t>
+              </a:r>
+            </a:p>
+            <a:p>
+              <a:pPr algn="ctr"/>
+              <a:r>
+                <a:rPr lang="en-GB" dirty="0"/>
+                <a:t>Demand</a:t>
+              </a:r>
+            </a:p>
+            <a:p>
+              <a:pPr algn="ctr"/>
+              <a:r>
+                <a:rPr lang="en-GB" dirty="0"/>
+                <a:t>(P</a:t>
+              </a:r>
+              <a:r>
+                <a:rPr lang="en-GB" baseline="-25000" dirty="0"/>
+                <a:t>D</a:t>
+              </a:r>
+              <a:r>
+                <a:rPr lang="en-GB" dirty="0"/>
+                <a:t>)</a:t>
+              </a:r>
+            </a:p>
+          </p:txBody>
+        </p:sp>
+        <p:cxnSp>
+          <p:nvCxnSpPr>
+            <p:cNvPr id="29" name="Straight Connector 28">
+              <a:extLst>
+                <a:ext uri="{FF2B5EF4-FFF2-40B4-BE49-F238E27FC236}">
+                  <a16:creationId xmlns:a16="http://schemas.microsoft.com/office/drawing/2014/main" id="{753B5AB5-3E2A-40C1-86BD-F5AF56F8D094}"/>
+                </a:ext>
+              </a:extLst>
+            </p:cNvPr>
+            <p:cNvCxnSpPr>
+              <a:cxnSpLocks/>
+            </p:cNvCxnSpPr>
+            <p:nvPr/>
+          </p:nvCxnSpPr>
+          <p:spPr>
+            <a:xfrm>
+              <a:off x="9316279" y="2179161"/>
+              <a:ext cx="0" cy="1369407"/>
+            </a:xfrm>
+            <a:prstGeom prst="line">
+              <a:avLst/>
+            </a:prstGeom>
+            <a:ln w="38100">
+              <a:solidFill>
+                <a:schemeClr val="bg1"/>
+              </a:solidFill>
+            </a:ln>
+          </p:spPr>
+          <p:style>
+            <a:lnRef idx="1">
+              <a:schemeClr val="accent1"/>
+            </a:lnRef>
+            <a:fillRef idx="0">
+              <a:schemeClr val="accent1"/>
+            </a:fillRef>
+            <a:effectRef idx="0">
+              <a:schemeClr val="accent1"/>
+            </a:effectRef>
+            <a:fontRef idx="minor">
+              <a:schemeClr val="tx1"/>
+            </a:fontRef>
+          </p:style>
+        </p:cxnSp>
+        <p:cxnSp>
+          <p:nvCxnSpPr>
+            <p:cNvPr id="30" name="Straight Connector 29">
+              <a:extLst>
+                <a:ext uri="{FF2B5EF4-FFF2-40B4-BE49-F238E27FC236}">
+                  <a16:creationId xmlns:a16="http://schemas.microsoft.com/office/drawing/2014/main" id="{F4A9C835-2670-4B1C-9296-B3AC6F624E50}"/>
+                </a:ext>
+              </a:extLst>
+            </p:cNvPr>
+            <p:cNvCxnSpPr/>
+            <p:nvPr/>
+          </p:nvCxnSpPr>
+          <p:spPr>
+            <a:xfrm flipH="1">
+              <a:off x="8393992" y="3548568"/>
+              <a:ext cx="922287" cy="0"/>
+            </a:xfrm>
+            <a:prstGeom prst="line">
+              <a:avLst/>
+            </a:prstGeom>
+            <a:ln w="38100">
+              <a:solidFill>
+                <a:schemeClr val="bg1"/>
+              </a:solidFill>
+            </a:ln>
+          </p:spPr>
+          <p:style>
+            <a:lnRef idx="1">
+              <a:schemeClr val="accent1"/>
+            </a:lnRef>
+            <a:fillRef idx="0">
+              <a:schemeClr val="accent1"/>
+            </a:fillRef>
+            <a:effectRef idx="0">
+              <a:schemeClr val="accent1"/>
+            </a:effectRef>
+            <a:fontRef idx="minor">
+              <a:schemeClr val="tx1"/>
+            </a:fontRef>
+          </p:style>
+        </p:cxnSp>
+        <p:cxnSp>
+          <p:nvCxnSpPr>
+            <p:cNvPr id="31" name="Straight Connector 30">
+              <a:extLst>
+                <a:ext uri="{FF2B5EF4-FFF2-40B4-BE49-F238E27FC236}">
+                  <a16:creationId xmlns:a16="http://schemas.microsoft.com/office/drawing/2014/main" id="{EB30134C-B706-4ADE-8433-35344F76F1D4}"/>
+                </a:ext>
+              </a:extLst>
+            </p:cNvPr>
+            <p:cNvCxnSpPr>
+              <a:cxnSpLocks/>
+            </p:cNvCxnSpPr>
+            <p:nvPr/>
+          </p:nvCxnSpPr>
+          <p:spPr>
+            <a:xfrm>
+              <a:off x="3969980" y="4691270"/>
+              <a:ext cx="5346299" cy="0"/>
+            </a:xfrm>
+            <a:prstGeom prst="line">
+              <a:avLst/>
+            </a:prstGeom>
+            <a:ln w="38100">
+              <a:solidFill>
+                <a:schemeClr val="bg1"/>
+              </a:solidFill>
+            </a:ln>
+          </p:spPr>
+          <p:style>
+            <a:lnRef idx="1">
+              <a:schemeClr val="accent1"/>
+            </a:lnRef>
+            <a:fillRef idx="0">
+              <a:schemeClr val="accent1"/>
+            </a:fillRef>
+            <a:effectRef idx="0">
+              <a:schemeClr val="accent1"/>
+            </a:effectRef>
+            <a:fontRef idx="minor">
+              <a:schemeClr val="tx1"/>
+            </a:fontRef>
+          </p:style>
+        </p:cxnSp>
+        <p:cxnSp>
+          <p:nvCxnSpPr>
+            <p:cNvPr id="32" name="Straight Connector 31">
+              <a:extLst>
+                <a:ext uri="{FF2B5EF4-FFF2-40B4-BE49-F238E27FC236}">
+                  <a16:creationId xmlns:a16="http://schemas.microsoft.com/office/drawing/2014/main" id="{D43CB4D3-D802-4F19-B704-6CD49745FD2E}"/>
+                </a:ext>
+              </a:extLst>
+            </p:cNvPr>
+            <p:cNvCxnSpPr/>
+            <p:nvPr/>
+          </p:nvCxnSpPr>
+          <p:spPr>
+            <a:xfrm flipV="1">
+              <a:off x="9321090" y="3766097"/>
+              <a:ext cx="0" cy="925173"/>
+            </a:xfrm>
+            <a:prstGeom prst="line">
+              <a:avLst/>
+            </a:prstGeom>
+            <a:ln w="38100">
+              <a:solidFill>
+                <a:schemeClr val="bg1"/>
+              </a:solidFill>
+            </a:ln>
+          </p:spPr>
+          <p:style>
+            <a:lnRef idx="1">
+              <a:schemeClr val="accent1"/>
+            </a:lnRef>
+            <a:fillRef idx="0">
+              <a:schemeClr val="accent1"/>
+            </a:fillRef>
+            <a:effectRef idx="0">
+              <a:schemeClr val="accent1"/>
+            </a:effectRef>
+            <a:fontRef idx="minor">
+              <a:schemeClr val="tx1"/>
+            </a:fontRef>
+          </p:style>
+        </p:cxnSp>
+        <p:cxnSp>
+          <p:nvCxnSpPr>
+            <p:cNvPr id="33" name="Straight Connector 32">
+              <a:extLst>
+                <a:ext uri="{FF2B5EF4-FFF2-40B4-BE49-F238E27FC236}">
+                  <a16:creationId xmlns:a16="http://schemas.microsoft.com/office/drawing/2014/main" id="{97A359E5-7ED9-4B49-A20A-B9173BBD6250}"/>
+                </a:ext>
+              </a:extLst>
+            </p:cNvPr>
+            <p:cNvCxnSpPr>
+              <a:cxnSpLocks/>
+              <a:stCxn id="20" idx="1"/>
+            </p:cNvCxnSpPr>
+            <p:nvPr/>
+          </p:nvCxnSpPr>
+          <p:spPr>
+            <a:xfrm flipH="1" flipV="1">
+              <a:off x="3963522" y="2179161"/>
+              <a:ext cx="2132478" cy="1"/>
+            </a:xfrm>
+            <a:prstGeom prst="line">
+              <a:avLst/>
+            </a:prstGeom>
+            <a:ln w="38100">
+              <a:solidFill>
+                <a:schemeClr val="bg1"/>
+              </a:solidFill>
+            </a:ln>
+          </p:spPr>
+          <p:style>
+            <a:lnRef idx="1">
+              <a:schemeClr val="accent1"/>
+            </a:lnRef>
+            <a:fillRef idx="0">
+              <a:schemeClr val="accent1"/>
+            </a:fillRef>
+            <a:effectRef idx="0">
+              <a:schemeClr val="accent1"/>
+            </a:effectRef>
+            <a:fontRef idx="minor">
+              <a:schemeClr val="tx1"/>
+            </a:fontRef>
+          </p:style>
+        </p:cxnSp>
+      </p:grpSp>
+    </p:spTree>
+    <p:extLst>
+      <p:ext uri="{BB962C8B-B14F-4D97-AF65-F5344CB8AC3E}">
+        <p14:creationId xmlns:p14="http://schemas.microsoft.com/office/powerpoint/2010/main" val="1674461655"/>
       </p:ext>
     </p:extLst>
   </p:cSld>
@@ -7056,4 +9648,299 @@
     </a:ext>
   </a:extLst>
 </a:theme>
+</file>
+
+<file path=ppt/theme/theme2.xml><?xml version="1.0" encoding="utf-8"?>
+<a:theme xmlns:a="http://schemas.openxmlformats.org/drawingml/2006/main" name="Office Theme">
+  <a:themeElements>
+    <a:clrScheme name="Office">
+      <a:dk1>
+        <a:sysClr val="windowText" lastClr="000000"/>
+      </a:dk1>
+      <a:lt1>
+        <a:sysClr val="window" lastClr="FFFFFF"/>
+      </a:lt1>
+      <a:dk2>
+        <a:srgbClr val="44546A"/>
+      </a:dk2>
+      <a:lt2>
+        <a:srgbClr val="E7E6E6"/>
+      </a:lt2>
+      <a:accent1>
+        <a:srgbClr val="4472C4"/>
+      </a:accent1>
+      <a:accent2>
+        <a:srgbClr val="ED7D31"/>
+      </a:accent2>
+      <a:accent3>
+        <a:srgbClr val="A5A5A5"/>
+      </a:accent3>
+      <a:accent4>
+        <a:srgbClr val="FFC000"/>
+      </a:accent4>
+      <a:accent5>
+        <a:srgbClr val="5B9BD5"/>
+      </a:accent5>
+      <a:accent6>
+        <a:srgbClr val="70AD47"/>
+      </a:accent6>
+      <a:hlink>
+        <a:srgbClr val="0563C1"/>
+      </a:hlink>
+      <a:folHlink>
+        <a:srgbClr val="954F72"/>
+      </a:folHlink>
+    </a:clrScheme>
+    <a:fontScheme name="Office">
+      <a:majorFont>
+        <a:latin typeface="Calibri Light" panose="020F0302020204030204"/>
+        <a:ea typeface=""/>
+        <a:cs typeface=""/>
+        <a:font script="Jpan" typeface="游ゴシック Light"/>
+        <a:font script="Hang" typeface="맑은 고딕"/>
+        <a:font script="Hans" typeface="等线 Light"/>
+        <a:font script="Hant" typeface="新細明體"/>
+        <a:font script="Arab" typeface="Times New Roman"/>
+        <a:font script="Hebr" typeface="Times New Roman"/>
+        <a:font script="Thai" typeface="Angsana New"/>
+        <a:font script="Ethi" typeface="Nyala"/>
+        <a:font script="Beng" typeface="Vrinda"/>
+        <a:font script="Gujr" typeface="Shruti"/>
+        <a:font script="Khmr" typeface="MoolBoran"/>
+        <a:font script="Knda" typeface="Tunga"/>
+        <a:font script="Guru" typeface="Raavi"/>
+        <a:font script="Cans" typeface="Euphemia"/>
+        <a:font script="Cher" typeface="Plantagenet Cherokee"/>
+        <a:font script="Yiii" typeface="Microsoft Yi Baiti"/>
+        <a:font script="Tibt" typeface="Microsoft Himalaya"/>
+        <a:font script="Thaa" typeface="MV Boli"/>
+        <a:font script="Deva" typeface="Mangal"/>
+        <a:font script="Telu" typeface="Gautami"/>
+        <a:font script="Taml" typeface="Latha"/>
+        <a:font script="Syrc" typeface="Estrangelo Edessa"/>
+        <a:font script="Orya" typeface="Kalinga"/>
+        <a:font script="Mlym" typeface="Kartika"/>
+        <a:font script="Laoo" typeface="DokChampa"/>
+        <a:font script="Sinh" typeface="Iskoola Pota"/>
+        <a:font script="Mong" typeface="Mongolian Baiti"/>
+        <a:font script="Viet" typeface="Times New Roman"/>
+        <a:font script="Uigh" typeface="Microsoft Uighur"/>
+        <a:font script="Geor" typeface="Sylfaen"/>
+        <a:font script="Armn" typeface="Arial"/>
+        <a:font script="Bugi" typeface="Leelawadee UI"/>
+        <a:font script="Bopo" typeface="Microsoft JhengHei"/>
+        <a:font script="Java" typeface="Javanese Text"/>
+        <a:font script="Lisu" typeface="Segoe UI"/>
+        <a:font script="Mymr" typeface="Myanmar Text"/>
+        <a:font script="Nkoo" typeface="Ebrima"/>
+        <a:font script="Olck" typeface="Nirmala UI"/>
+        <a:font script="Osma" typeface="Ebrima"/>
+        <a:font script="Phag" typeface="Phagspa"/>
+        <a:font script="Syrn" typeface="Estrangelo Edessa"/>
+        <a:font script="Syrj" typeface="Estrangelo Edessa"/>
+        <a:font script="Syre" typeface="Estrangelo Edessa"/>
+        <a:font script="Sora" typeface="Nirmala UI"/>
+        <a:font script="Tale" typeface="Microsoft Tai Le"/>
+        <a:font script="Talu" typeface="Microsoft New Tai Lue"/>
+        <a:font script="Tfng" typeface="Ebrima"/>
+      </a:majorFont>
+      <a:minorFont>
+        <a:latin typeface="Calibri" panose="020F0502020204030204"/>
+        <a:ea typeface=""/>
+        <a:cs typeface=""/>
+        <a:font script="Jpan" typeface="游ゴシック"/>
+        <a:font script="Hang" typeface="맑은 고딕"/>
+        <a:font script="Hans" typeface="等线"/>
+        <a:font script="Hant" typeface="新細明體"/>
+        <a:font script="Arab" typeface="Arial"/>
+        <a:font script="Hebr" typeface="Arial"/>
+        <a:font script="Thai" typeface="Cordia New"/>
+        <a:font script="Ethi" typeface="Nyala"/>
+        <a:font script="Beng" typeface="Vrinda"/>
+        <a:font script="Gujr" typeface="Shruti"/>
+        <a:font script="Khmr" typeface="DaunPenh"/>
+        <a:font script="Knda" typeface="Tunga"/>
+        <a:font script="Guru" typeface="Raavi"/>
+        <a:font script="Cans" typeface="Euphemia"/>
+        <a:font script="Cher" typeface="Plantagenet Cherokee"/>
+        <a:font script="Yiii" typeface="Microsoft Yi Baiti"/>
+        <a:font script="Tibt" typeface="Microsoft Himalaya"/>
+        <a:font script="Thaa" typeface="MV Boli"/>
+        <a:font script="Deva" typeface="Mangal"/>
+        <a:font script="Telu" typeface="Gautami"/>
+        <a:font script="Taml" typeface="Latha"/>
+        <a:font script="Syrc" typeface="Estrangelo Edessa"/>
+        <a:font script="Orya" typeface="Kalinga"/>
+        <a:font script="Mlym" typeface="Kartika"/>
+        <a:font script="Laoo" typeface="DokChampa"/>
+        <a:font script="Sinh" typeface="Iskoola Pota"/>
+        <a:font script="Mong" typeface="Mongolian Baiti"/>
+        <a:font script="Viet" typeface="Arial"/>
+        <a:font script="Uigh" typeface="Microsoft Uighur"/>
+        <a:font script="Geor" typeface="Sylfaen"/>
+        <a:font script="Armn" typeface="Arial"/>
+        <a:font script="Bugi" typeface="Leelawadee UI"/>
+        <a:font script="Bopo" typeface="Microsoft JhengHei"/>
+        <a:font script="Java" typeface="Javanese Text"/>
+        <a:font script="Lisu" typeface="Segoe UI"/>
+        <a:font script="Mymr" typeface="Myanmar Text"/>
+        <a:font script="Nkoo" typeface="Ebrima"/>
+        <a:font script="Olck" typeface="Nirmala UI"/>
+        <a:font script="Osma" typeface="Ebrima"/>
+        <a:font script="Phag" typeface="Phagspa"/>
+        <a:font script="Syrn" typeface="Estrangelo Edessa"/>
+        <a:font script="Syrj" typeface="Estrangelo Edessa"/>
+        <a:font script="Syre" typeface="Estrangelo Edessa"/>
+        <a:font script="Sora" typeface="Nirmala UI"/>
+        <a:font script="Tale" typeface="Microsoft Tai Le"/>
+        <a:font script="Talu" typeface="Microsoft New Tai Lue"/>
+        <a:font script="Tfng" typeface="Ebrima"/>
+      </a:minorFont>
+    </a:fontScheme>
+    <a:fmtScheme name="Office">
+      <a:fillStyleLst>
+        <a:solidFill>
+          <a:schemeClr val="phClr"/>
+        </a:solidFill>
+        <a:gradFill rotWithShape="1">
+          <a:gsLst>
+            <a:gs pos="0">
+              <a:schemeClr val="phClr">
+                <a:lumMod val="110000"/>
+                <a:satMod val="105000"/>
+                <a:tint val="67000"/>
+              </a:schemeClr>
+            </a:gs>
+            <a:gs pos="50000">
+              <a:schemeClr val="phClr">
+                <a:lumMod val="105000"/>
+                <a:satMod val="103000"/>
+                <a:tint val="73000"/>
+              </a:schemeClr>
+            </a:gs>
+            <a:gs pos="100000">
+              <a:schemeClr val="phClr">
+                <a:lumMod val="105000"/>
+                <a:satMod val="109000"/>
+                <a:tint val="81000"/>
+              </a:schemeClr>
+            </a:gs>
+          </a:gsLst>
+          <a:lin ang="5400000" scaled="0"/>
+        </a:gradFill>
+        <a:gradFill rotWithShape="1">
+          <a:gsLst>
+            <a:gs pos="0">
+              <a:schemeClr val="phClr">
+                <a:satMod val="103000"/>
+                <a:lumMod val="102000"/>
+                <a:tint val="94000"/>
+              </a:schemeClr>
+            </a:gs>
+            <a:gs pos="50000">
+              <a:schemeClr val="phClr">
+                <a:satMod val="110000"/>
+                <a:lumMod val="100000"/>
+                <a:shade val="100000"/>
+              </a:schemeClr>
+            </a:gs>
+            <a:gs pos="100000">
+              <a:schemeClr val="phClr">
+                <a:lumMod val="99000"/>
+                <a:satMod val="120000"/>
+                <a:shade val="78000"/>
+              </a:schemeClr>
+            </a:gs>
+          </a:gsLst>
+          <a:lin ang="5400000" scaled="0"/>
+        </a:gradFill>
+      </a:fillStyleLst>
+      <a:lnStyleLst>
+        <a:ln w="6350" cap="flat" cmpd="sng" algn="ctr">
+          <a:solidFill>
+            <a:schemeClr val="phClr"/>
+          </a:solidFill>
+          <a:prstDash val="solid"/>
+          <a:miter lim="800000"/>
+        </a:ln>
+        <a:ln w="12700" cap="flat" cmpd="sng" algn="ctr">
+          <a:solidFill>
+            <a:schemeClr val="phClr"/>
+          </a:solidFill>
+          <a:prstDash val="solid"/>
+          <a:miter lim="800000"/>
+        </a:ln>
+        <a:ln w="19050" cap="flat" cmpd="sng" algn="ctr">
+          <a:solidFill>
+            <a:schemeClr val="phClr"/>
+          </a:solidFill>
+          <a:prstDash val="solid"/>
+          <a:miter lim="800000"/>
+        </a:ln>
+      </a:lnStyleLst>
+      <a:effectStyleLst>
+        <a:effectStyle>
+          <a:effectLst/>
+        </a:effectStyle>
+        <a:effectStyle>
+          <a:effectLst/>
+        </a:effectStyle>
+        <a:effectStyle>
+          <a:effectLst>
+            <a:outerShdw blurRad="57150" dist="19050" dir="5400000" algn="ctr" rotWithShape="0">
+              <a:srgbClr val="000000">
+                <a:alpha val="63000"/>
+              </a:srgbClr>
+            </a:outerShdw>
+          </a:effectLst>
+        </a:effectStyle>
+      </a:effectStyleLst>
+      <a:bgFillStyleLst>
+        <a:solidFill>
+          <a:schemeClr val="phClr"/>
+        </a:solidFill>
+        <a:solidFill>
+          <a:schemeClr val="phClr">
+            <a:tint val="95000"/>
+            <a:satMod val="170000"/>
+          </a:schemeClr>
+        </a:solidFill>
+        <a:gradFill rotWithShape="1">
+          <a:gsLst>
+            <a:gs pos="0">
+              <a:schemeClr val="phClr">
+                <a:tint val="93000"/>
+                <a:satMod val="150000"/>
+                <a:shade val="98000"/>
+                <a:lumMod val="102000"/>
+              </a:schemeClr>
+            </a:gs>
+            <a:gs pos="50000">
+              <a:schemeClr val="phClr">
+                <a:tint val="98000"/>
+                <a:satMod val="130000"/>
+                <a:shade val="90000"/>
+                <a:lumMod val="103000"/>
+              </a:schemeClr>
+            </a:gs>
+            <a:gs pos="100000">
+              <a:schemeClr val="phClr">
+                <a:shade val="63000"/>
+                <a:satMod val="120000"/>
+              </a:schemeClr>
+            </a:gs>
+          </a:gsLst>
+          <a:lin ang="5400000" scaled="0"/>
+        </a:gradFill>
+      </a:bgFillStyleLst>
+    </a:fmtScheme>
+  </a:themeElements>
+  <a:objectDefaults/>
+  <a:extraClrSchemeLst/>
+  <a:extLst>
+    <a:ext uri="{05A4C25C-085E-4340-85A3-A5531E510DB2}">
+      <thm15:themeFamily xmlns:thm15="http://schemas.microsoft.com/office/thememl/2012/main" name="Office Theme" id="{62F939B6-93AF-4DB8-9C6B-D6C7DFDC589F}" vid="{4A3C46E8-61CC-4603-A589-7422A47A8E4A}"/>
+    </a:ext>
+  </a:extLst>
+</a:theme>
 </file>